--- a/The Future of BlockchainV2.pptx
+++ b/The Future of BlockchainV2.pptx
@@ -5,7 +5,7 @@
     <p:sldMasterId id="2147483750" r:id="rId1"/>
   </p:sldMasterIdLst>
   <p:notesMasterIdLst>
-    <p:notesMasterId r:id="rId21"/>
+    <p:notesMasterId r:id="rId22"/>
   </p:notesMasterIdLst>
   <p:sldIdLst>
     <p:sldId id="256" r:id="rId2"/>
@@ -24,9 +24,10 @@
     <p:sldId id="265" r:id="rId15"/>
     <p:sldId id="266" r:id="rId16"/>
     <p:sldId id="267" r:id="rId17"/>
-    <p:sldId id="262" r:id="rId18"/>
-    <p:sldId id="264" r:id="rId19"/>
-    <p:sldId id="268" r:id="rId20"/>
+    <p:sldId id="276" r:id="rId18"/>
+    <p:sldId id="262" r:id="rId19"/>
+    <p:sldId id="264" r:id="rId20"/>
+    <p:sldId id="268" r:id="rId21"/>
   </p:sldIdLst>
   <p:sldSz cx="12192000" cy="6858000"/>
   <p:notesSz cx="6858000" cy="9144000"/>
@@ -146,6 +147,7 @@
             <p14:sldId id="265"/>
             <p14:sldId id="266"/>
             <p14:sldId id="267"/>
+            <p14:sldId id="276"/>
             <p14:sldId id="262"/>
             <p14:sldId id="264"/>
             <p14:sldId id="268"/>
@@ -16193,7 +16195,7 @@
           <a:p>
             <a:r>
               <a:rPr lang="en-US" dirty="0"/>
-              <a:t>Overview of How it is implemented</a:t>
+              <a:t>General concept of Blockchain</a:t>
             </a:r>
           </a:p>
         </p:txBody>
@@ -17994,6 +17996,367 @@
 </file>
 
 <file path=ppt/slides/slide17.xml><?xml version="1.0" encoding="utf-8"?>
+<p:sld xmlns:a="http://schemas.openxmlformats.org/drawingml/2006/main" xmlns:r="http://schemas.openxmlformats.org/officeDocument/2006/relationships" xmlns:p="http://schemas.openxmlformats.org/presentationml/2006/main">
+  <p:cSld>
+    <p:spTree>
+      <p:nvGrpSpPr>
+        <p:cNvPr id="1" name=""/>
+        <p:cNvGrpSpPr/>
+        <p:nvPr/>
+      </p:nvGrpSpPr>
+      <p:grpSpPr>
+        <a:xfrm>
+          <a:off x="0" y="0"/>
+          <a:ext cx="0" cy="0"/>
+          <a:chOff x="0" y="0"/>
+          <a:chExt cx="0" cy="0"/>
+        </a:xfrm>
+      </p:grpSpPr>
+      <p:sp>
+        <p:nvSpPr>
+          <p:cNvPr id="2" name="Title 1">
+            <a:extLst>
+              <a:ext uri="{FF2B5EF4-FFF2-40B4-BE49-F238E27FC236}">
+                <a16:creationId xmlns:a16="http://schemas.microsoft.com/office/drawing/2014/main" id="{5C64B2C0-9825-48CA-B0E3-8BAB8377E75B}"/>
+              </a:ext>
+            </a:extLst>
+          </p:cNvPr>
+          <p:cNvSpPr>
+            <a:spLocks noGrp="1"/>
+          </p:cNvSpPr>
+          <p:nvPr>
+            <p:ph type="title"/>
+          </p:nvPr>
+        </p:nvSpPr>
+        <p:spPr/>
+        <p:txBody>
+          <a:bodyPr>
+            <a:normAutofit/>
+          </a:bodyPr>
+          <a:lstStyle/>
+          <a:p>
+            <a:r>
+              <a:rPr lang="en-US" dirty="0"/>
+              <a:t>Common uses of Blockchain</a:t>
+            </a:r>
+          </a:p>
+        </p:txBody>
+      </p:sp>
+      <p:sp>
+        <p:nvSpPr>
+          <p:cNvPr id="3" name="Content Placeholder 2">
+            <a:extLst>
+              <a:ext uri="{FF2B5EF4-FFF2-40B4-BE49-F238E27FC236}">
+                <a16:creationId xmlns:a16="http://schemas.microsoft.com/office/drawing/2014/main" id="{E8EACC5E-F238-4A48-AFA2-1211B4267669}"/>
+              </a:ext>
+            </a:extLst>
+          </p:cNvPr>
+          <p:cNvSpPr>
+            <a:spLocks noGrp="1"/>
+          </p:cNvSpPr>
+          <p:nvPr>
+            <p:ph idx="1"/>
+          </p:nvPr>
+        </p:nvSpPr>
+        <p:spPr>
+          <a:xfrm>
+            <a:off x="838200" y="1444487"/>
+            <a:ext cx="10515600" cy="3927613"/>
+          </a:xfrm>
+        </p:spPr>
+        <p:txBody>
+          <a:bodyPr/>
+          <a:lstStyle/>
+          <a:p>
+            <a:pPr marL="0" indent="0" algn="ctr">
+              <a:buNone/>
+            </a:pPr>
+            <a:endParaRPr lang="en-US" dirty="0"/>
+          </a:p>
+          <a:p>
+            <a:endParaRPr lang="en-US" dirty="0"/>
+          </a:p>
+        </p:txBody>
+      </p:sp>
+      <p:sp>
+        <p:nvSpPr>
+          <p:cNvPr id="4" name="Footer Placeholder 3">
+            <a:extLst>
+              <a:ext uri="{FF2B5EF4-FFF2-40B4-BE49-F238E27FC236}">
+                <a16:creationId xmlns:a16="http://schemas.microsoft.com/office/drawing/2014/main" id="{955F9F9F-3846-43D3-B86C-EE9AFD5C095A}"/>
+              </a:ext>
+            </a:extLst>
+          </p:cNvPr>
+          <p:cNvSpPr>
+            <a:spLocks noGrp="1"/>
+          </p:cNvSpPr>
+          <p:nvPr>
+            <p:ph type="ftr" sz="quarter" idx="11"/>
+          </p:nvPr>
+        </p:nvSpPr>
+        <p:spPr>
+          <a:xfrm>
+            <a:off x="838199" y="6356350"/>
+            <a:ext cx="10328329" cy="365125"/>
+          </a:xfrm>
+        </p:spPr>
+        <p:txBody>
+          <a:bodyPr/>
+          <a:lstStyle/>
+          <a:p>
+            <a:r>
+              <a:rPr lang="en-US" dirty="0"/>
+              <a:t>https://builtin.com/blockchain/blockchain-applications</a:t>
+            </a:r>
+          </a:p>
+        </p:txBody>
+      </p:sp>
+      <p:sp>
+        <p:nvSpPr>
+          <p:cNvPr id="6" name="Content Placeholder 2">
+            <a:extLst>
+              <a:ext uri="{FF2B5EF4-FFF2-40B4-BE49-F238E27FC236}">
+                <a16:creationId xmlns:a16="http://schemas.microsoft.com/office/drawing/2014/main" id="{BAC6A42E-3B31-4214-900B-2DA73544B4E3}"/>
+              </a:ext>
+            </a:extLst>
+          </p:cNvPr>
+          <p:cNvSpPr txBox="1">
+            <a:spLocks/>
+          </p:cNvSpPr>
+          <p:nvPr/>
+        </p:nvSpPr>
+        <p:spPr>
+          <a:xfrm>
+            <a:off x="1092200" y="5385594"/>
+            <a:ext cx="10515600" cy="596900"/>
+          </a:xfrm>
+          <a:prstGeom prst="rect">
+            <a:avLst/>
+          </a:prstGeom>
+        </p:spPr>
+        <p:txBody>
+          <a:bodyPr vert="horz" lIns="91440" tIns="45720" rIns="91440" bIns="45720" rtlCol="0">
+            <a:normAutofit/>
+          </a:bodyPr>
+          <a:lstStyle>
+            <a:lvl1pPr marL="228600" indent="-228600" algn="l" defTabSz="914400" rtl="0" eaLnBrk="1" latinLnBrk="0" hangingPunct="1">
+              <a:lnSpc>
+                <a:spcPct val="90000"/>
+              </a:lnSpc>
+              <a:spcBef>
+                <a:spcPts val="1000"/>
+              </a:spcBef>
+              <a:buFont typeface="Arial" panose="020B0604020202020204" pitchFamily="34" charset="0"/>
+              <a:buChar char="•"/>
+              <a:defRPr sz="2800" kern="1200">
+                <a:solidFill>
+                  <a:schemeClr val="tx1"/>
+                </a:solidFill>
+                <a:latin typeface="+mn-lt"/>
+                <a:ea typeface="+mn-ea"/>
+                <a:cs typeface="+mn-cs"/>
+              </a:defRPr>
+            </a:lvl1pPr>
+            <a:lvl2pPr marL="685800" indent="-228600" algn="l" defTabSz="914400" rtl="0" eaLnBrk="1" latinLnBrk="0" hangingPunct="1">
+              <a:lnSpc>
+                <a:spcPct val="90000"/>
+              </a:lnSpc>
+              <a:spcBef>
+                <a:spcPts val="500"/>
+              </a:spcBef>
+              <a:buFont typeface="Arial" panose="020B0604020202020204" pitchFamily="34" charset="0"/>
+              <a:buChar char="•"/>
+              <a:defRPr sz="2400" kern="1200">
+                <a:solidFill>
+                  <a:schemeClr val="tx1"/>
+                </a:solidFill>
+                <a:latin typeface="+mn-lt"/>
+                <a:ea typeface="+mn-ea"/>
+                <a:cs typeface="+mn-cs"/>
+              </a:defRPr>
+            </a:lvl2pPr>
+            <a:lvl3pPr marL="1143000" indent="-228600" algn="l" defTabSz="914400" rtl="0" eaLnBrk="1" latinLnBrk="0" hangingPunct="1">
+              <a:lnSpc>
+                <a:spcPct val="90000"/>
+              </a:lnSpc>
+              <a:spcBef>
+                <a:spcPts val="500"/>
+              </a:spcBef>
+              <a:buFont typeface="Arial" panose="020B0604020202020204" pitchFamily="34" charset="0"/>
+              <a:buChar char="•"/>
+              <a:defRPr sz="2000" kern="1200">
+                <a:solidFill>
+                  <a:schemeClr val="tx1"/>
+                </a:solidFill>
+                <a:latin typeface="+mn-lt"/>
+                <a:ea typeface="+mn-ea"/>
+                <a:cs typeface="+mn-cs"/>
+              </a:defRPr>
+            </a:lvl3pPr>
+            <a:lvl4pPr marL="1600200" indent="-228600" algn="l" defTabSz="914400" rtl="0" eaLnBrk="1" latinLnBrk="0" hangingPunct="1">
+              <a:lnSpc>
+                <a:spcPct val="90000"/>
+              </a:lnSpc>
+              <a:spcBef>
+                <a:spcPts val="500"/>
+              </a:spcBef>
+              <a:buFont typeface="Arial" panose="020B0604020202020204" pitchFamily="34" charset="0"/>
+              <a:buChar char="•"/>
+              <a:defRPr sz="1800" kern="1200">
+                <a:solidFill>
+                  <a:schemeClr val="tx1"/>
+                </a:solidFill>
+                <a:latin typeface="+mn-lt"/>
+                <a:ea typeface="+mn-ea"/>
+                <a:cs typeface="+mn-cs"/>
+              </a:defRPr>
+            </a:lvl4pPr>
+            <a:lvl5pPr marL="2057400" indent="-228600" algn="l" defTabSz="914400" rtl="0" eaLnBrk="1" latinLnBrk="0" hangingPunct="1">
+              <a:lnSpc>
+                <a:spcPct val="90000"/>
+              </a:lnSpc>
+              <a:spcBef>
+                <a:spcPts val="500"/>
+              </a:spcBef>
+              <a:buFont typeface="Arial" panose="020B0604020202020204" pitchFamily="34" charset="0"/>
+              <a:buChar char="•"/>
+              <a:defRPr sz="1800" kern="1200">
+                <a:solidFill>
+                  <a:schemeClr val="tx1"/>
+                </a:solidFill>
+                <a:latin typeface="+mn-lt"/>
+                <a:ea typeface="+mn-ea"/>
+                <a:cs typeface="+mn-cs"/>
+              </a:defRPr>
+            </a:lvl5pPr>
+            <a:lvl6pPr marL="2514600" indent="-228600" algn="l" defTabSz="914400" rtl="0" eaLnBrk="1" latinLnBrk="0" hangingPunct="1">
+              <a:lnSpc>
+                <a:spcPct val="90000"/>
+              </a:lnSpc>
+              <a:spcBef>
+                <a:spcPts val="500"/>
+              </a:spcBef>
+              <a:buFont typeface="Arial" panose="020B0604020202020204" pitchFamily="34" charset="0"/>
+              <a:buChar char="•"/>
+              <a:defRPr sz="1800" kern="1200">
+                <a:solidFill>
+                  <a:schemeClr val="tx1"/>
+                </a:solidFill>
+                <a:latin typeface="+mn-lt"/>
+                <a:ea typeface="+mn-ea"/>
+                <a:cs typeface="+mn-cs"/>
+              </a:defRPr>
+            </a:lvl6pPr>
+            <a:lvl7pPr marL="2971800" indent="-228600" algn="l" defTabSz="914400" rtl="0" eaLnBrk="1" latinLnBrk="0" hangingPunct="1">
+              <a:lnSpc>
+                <a:spcPct val="90000"/>
+              </a:lnSpc>
+              <a:spcBef>
+                <a:spcPts val="500"/>
+              </a:spcBef>
+              <a:buFont typeface="Arial" panose="020B0604020202020204" pitchFamily="34" charset="0"/>
+              <a:buChar char="•"/>
+              <a:defRPr sz="1800" kern="1200">
+                <a:solidFill>
+                  <a:schemeClr val="tx1"/>
+                </a:solidFill>
+                <a:latin typeface="+mn-lt"/>
+                <a:ea typeface="+mn-ea"/>
+                <a:cs typeface="+mn-cs"/>
+              </a:defRPr>
+            </a:lvl7pPr>
+            <a:lvl8pPr marL="3429000" indent="-228600" algn="l" defTabSz="914400" rtl="0" eaLnBrk="1" latinLnBrk="0" hangingPunct="1">
+              <a:lnSpc>
+                <a:spcPct val="90000"/>
+              </a:lnSpc>
+              <a:spcBef>
+                <a:spcPts val="500"/>
+              </a:spcBef>
+              <a:buFont typeface="Arial" panose="020B0604020202020204" pitchFamily="34" charset="0"/>
+              <a:buChar char="•"/>
+              <a:defRPr sz="1800" kern="1200">
+                <a:solidFill>
+                  <a:schemeClr val="tx1"/>
+                </a:solidFill>
+                <a:latin typeface="+mn-lt"/>
+                <a:ea typeface="+mn-ea"/>
+                <a:cs typeface="+mn-cs"/>
+              </a:defRPr>
+            </a:lvl8pPr>
+            <a:lvl9pPr marL="3886200" indent="-228600" algn="l" defTabSz="914400" rtl="0" eaLnBrk="1" latinLnBrk="0" hangingPunct="1">
+              <a:lnSpc>
+                <a:spcPct val="90000"/>
+              </a:lnSpc>
+              <a:spcBef>
+                <a:spcPts val="500"/>
+              </a:spcBef>
+              <a:buFont typeface="Arial" panose="020B0604020202020204" pitchFamily="34" charset="0"/>
+              <a:buChar char="•"/>
+              <a:defRPr sz="1800" kern="1200">
+                <a:solidFill>
+                  <a:schemeClr val="tx1"/>
+                </a:solidFill>
+                <a:latin typeface="+mn-lt"/>
+                <a:ea typeface="+mn-ea"/>
+                <a:cs typeface="+mn-cs"/>
+              </a:defRPr>
+            </a:lvl9pPr>
+          </a:lstStyle>
+          <a:p>
+            <a:endParaRPr lang="en-US" dirty="0"/>
+          </a:p>
+        </p:txBody>
+      </p:sp>
+      <p:pic>
+        <p:nvPicPr>
+          <p:cNvPr id="7" name="Picture 6">
+            <a:extLst>
+              <a:ext uri="{FF2B5EF4-FFF2-40B4-BE49-F238E27FC236}">
+                <a16:creationId xmlns:a16="http://schemas.microsoft.com/office/drawing/2014/main" id="{95E978D2-D876-4DD3-BB4B-7A4CD0D45734}"/>
+              </a:ext>
+            </a:extLst>
+          </p:cNvPr>
+          <p:cNvPicPr>
+            <a:picLocks noChangeAspect="1"/>
+          </p:cNvPicPr>
+          <p:nvPr/>
+        </p:nvPicPr>
+        <p:blipFill>
+          <a:blip r:embed="rId2">
+            <a:extLst>
+              <a:ext uri="{28A0092B-C50C-407E-A947-70E740481C1C}">
+                <a14:useLocalDpi xmlns:a14="http://schemas.microsoft.com/office/drawing/2010/main" val="0"/>
+              </a:ext>
+            </a:extLst>
+          </a:blip>
+          <a:stretch>
+            <a:fillRect/>
+          </a:stretch>
+        </p:blipFill>
+        <p:spPr>
+          <a:xfrm>
+            <a:off x="2683926" y="1430993"/>
+            <a:ext cx="6291262" cy="4684004"/>
+          </a:xfrm>
+          <a:prstGeom prst="rect">
+            <a:avLst/>
+          </a:prstGeom>
+        </p:spPr>
+      </p:pic>
+    </p:spTree>
+    <p:extLst>
+      <p:ext uri="{BB962C8B-B14F-4D97-AF65-F5344CB8AC3E}">
+        <p14:creationId xmlns:p14="http://schemas.microsoft.com/office/powerpoint/2010/main" val="3071507004"/>
+      </p:ext>
+    </p:extLst>
+  </p:cSld>
+  <p:clrMapOvr>
+    <a:masterClrMapping/>
+  </p:clrMapOvr>
+</p:sld>
+</file>
+
+<file path=ppt/slides/slide18.xml><?xml version="1.0" encoding="utf-8"?>
 <p:sld xmlns:a="http://schemas.openxmlformats.org/drawingml/2006/main" xmlns:r="http://schemas.openxmlformats.org/officeDocument/2006/relationships" xmlns:p="http://schemas.openxmlformats.org/presentationml/2006/main">
   <p:cSld>
     <p:spTree>
@@ -18413,7 +18776,7 @@
 </p:sld>
 </file>
 
-<file path=ppt/slides/slide18.xml><?xml version="1.0" encoding="utf-8"?>
+<file path=ppt/slides/slide19.xml><?xml version="1.0" encoding="utf-8"?>
 <p:sld xmlns:a="http://schemas.openxmlformats.org/drawingml/2006/main" xmlns:r="http://schemas.openxmlformats.org/officeDocument/2006/relationships" xmlns:p="http://schemas.openxmlformats.org/presentationml/2006/main">
   <p:cSld>
     <p:spTree>
@@ -18716,121 +19079,6 @@
       <p:bldP spid="3" grpId="0" uiExpand="1" build="p"/>
     </p:bldLst>
   </p:timing>
-</p:sld>
-</file>
-
-<file path=ppt/slides/slide19.xml><?xml version="1.0" encoding="utf-8"?>
-<p:sld xmlns:a="http://schemas.openxmlformats.org/drawingml/2006/main" xmlns:r="http://schemas.openxmlformats.org/officeDocument/2006/relationships" xmlns:p="http://schemas.openxmlformats.org/presentationml/2006/main">
-  <p:cSld>
-    <p:spTree>
-      <p:nvGrpSpPr>
-        <p:cNvPr id="1" name=""/>
-        <p:cNvGrpSpPr/>
-        <p:nvPr/>
-      </p:nvGrpSpPr>
-      <p:grpSpPr>
-        <a:xfrm>
-          <a:off x="0" y="0"/>
-          <a:ext cx="0" cy="0"/>
-          <a:chOff x="0" y="0"/>
-          <a:chExt cx="0" cy="0"/>
-        </a:xfrm>
-      </p:grpSpPr>
-      <p:sp>
-        <p:nvSpPr>
-          <p:cNvPr id="2" name="Title 1">
-            <a:extLst>
-              <a:ext uri="{FF2B5EF4-FFF2-40B4-BE49-F238E27FC236}">
-                <a16:creationId xmlns:a16="http://schemas.microsoft.com/office/drawing/2014/main" id="{FB7F4A5A-AFB1-4D17-A498-C8AF7A5EA207}"/>
-              </a:ext>
-            </a:extLst>
-          </p:cNvPr>
-          <p:cNvSpPr>
-            <a:spLocks noGrp="1"/>
-          </p:cNvSpPr>
-          <p:nvPr>
-            <p:ph type="title"/>
-          </p:nvPr>
-        </p:nvSpPr>
-        <p:spPr/>
-        <p:txBody>
-          <a:bodyPr/>
-          <a:lstStyle/>
-          <a:p>
-            <a:endParaRPr lang="en-US"/>
-          </a:p>
-        </p:txBody>
-      </p:sp>
-      <p:pic>
-        <p:nvPicPr>
-          <p:cNvPr id="6" name="Content Placeholder 5">
-            <a:extLst>
-              <a:ext uri="{FF2B5EF4-FFF2-40B4-BE49-F238E27FC236}">
-                <a16:creationId xmlns:a16="http://schemas.microsoft.com/office/drawing/2014/main" id="{E1A3DD17-41E2-4F5F-90E9-D25A883D2ACF}"/>
-              </a:ext>
-            </a:extLst>
-          </p:cNvPr>
-          <p:cNvPicPr>
-            <a:picLocks noGrp="1" noChangeAspect="1"/>
-          </p:cNvPicPr>
-          <p:nvPr>
-            <p:ph idx="1"/>
-          </p:nvPr>
-        </p:nvPicPr>
-        <p:blipFill>
-          <a:blip r:embed="rId2">
-            <a:extLst>
-              <a:ext uri="{28A0092B-C50C-407E-A947-70E740481C1C}">
-                <a14:useLocalDpi xmlns:a14="http://schemas.microsoft.com/office/drawing/2010/main" val="0"/>
-              </a:ext>
-            </a:extLst>
-          </a:blip>
-          <a:stretch>
-            <a:fillRect/>
-          </a:stretch>
-        </p:blipFill>
-        <p:spPr>
-          <a:xfrm>
-            <a:off x="3332508" y="2142067"/>
-            <a:ext cx="4838010" cy="3623837"/>
-          </a:xfrm>
-        </p:spPr>
-      </p:pic>
-      <p:sp>
-        <p:nvSpPr>
-          <p:cNvPr id="4" name="Footer Placeholder 3">
-            <a:extLst>
-              <a:ext uri="{FF2B5EF4-FFF2-40B4-BE49-F238E27FC236}">
-                <a16:creationId xmlns:a16="http://schemas.microsoft.com/office/drawing/2014/main" id="{F346B472-258A-4A09-A728-96DFCCB492D3}"/>
-              </a:ext>
-            </a:extLst>
-          </p:cNvPr>
-          <p:cNvSpPr>
-            <a:spLocks noGrp="1"/>
-          </p:cNvSpPr>
-          <p:nvPr>
-            <p:ph type="ftr" sz="quarter" idx="11"/>
-          </p:nvPr>
-        </p:nvSpPr>
-        <p:spPr/>
-        <p:txBody>
-          <a:bodyPr/>
-          <a:lstStyle/>
-          <a:p>
-            <a:endParaRPr lang="en-US"/>
-          </a:p>
-        </p:txBody>
-      </p:sp>
-    </p:spTree>
-    <p:extLst>
-      <p:ext uri="{BB962C8B-B14F-4D97-AF65-F5344CB8AC3E}">
-        <p14:creationId xmlns:p14="http://schemas.microsoft.com/office/powerpoint/2010/main" val="2062410978"/>
-      </p:ext>
-    </p:extLst>
-  </p:cSld>
-  <p:clrMapOvr>
-    <a:masterClrMapping/>
-  </p:clrMapOvr>
 </p:sld>
 </file>
 
@@ -19234,6 +19482,121 @@
 </p:sld>
 </file>
 
+<file path=ppt/slides/slide20.xml><?xml version="1.0" encoding="utf-8"?>
+<p:sld xmlns:a="http://schemas.openxmlformats.org/drawingml/2006/main" xmlns:r="http://schemas.openxmlformats.org/officeDocument/2006/relationships" xmlns:p="http://schemas.openxmlformats.org/presentationml/2006/main">
+  <p:cSld>
+    <p:spTree>
+      <p:nvGrpSpPr>
+        <p:cNvPr id="1" name=""/>
+        <p:cNvGrpSpPr/>
+        <p:nvPr/>
+      </p:nvGrpSpPr>
+      <p:grpSpPr>
+        <a:xfrm>
+          <a:off x="0" y="0"/>
+          <a:ext cx="0" cy="0"/>
+          <a:chOff x="0" y="0"/>
+          <a:chExt cx="0" cy="0"/>
+        </a:xfrm>
+      </p:grpSpPr>
+      <p:sp>
+        <p:nvSpPr>
+          <p:cNvPr id="2" name="Title 1">
+            <a:extLst>
+              <a:ext uri="{FF2B5EF4-FFF2-40B4-BE49-F238E27FC236}">
+                <a16:creationId xmlns:a16="http://schemas.microsoft.com/office/drawing/2014/main" id="{FB7F4A5A-AFB1-4D17-A498-C8AF7A5EA207}"/>
+              </a:ext>
+            </a:extLst>
+          </p:cNvPr>
+          <p:cNvSpPr>
+            <a:spLocks noGrp="1"/>
+          </p:cNvSpPr>
+          <p:nvPr>
+            <p:ph type="title"/>
+          </p:nvPr>
+        </p:nvSpPr>
+        <p:spPr/>
+        <p:txBody>
+          <a:bodyPr/>
+          <a:lstStyle/>
+          <a:p>
+            <a:endParaRPr lang="en-US"/>
+          </a:p>
+        </p:txBody>
+      </p:sp>
+      <p:pic>
+        <p:nvPicPr>
+          <p:cNvPr id="6" name="Content Placeholder 5">
+            <a:extLst>
+              <a:ext uri="{FF2B5EF4-FFF2-40B4-BE49-F238E27FC236}">
+                <a16:creationId xmlns:a16="http://schemas.microsoft.com/office/drawing/2014/main" id="{E1A3DD17-41E2-4F5F-90E9-D25A883D2ACF}"/>
+              </a:ext>
+            </a:extLst>
+          </p:cNvPr>
+          <p:cNvPicPr>
+            <a:picLocks noGrp="1" noChangeAspect="1"/>
+          </p:cNvPicPr>
+          <p:nvPr>
+            <p:ph idx="1"/>
+          </p:nvPr>
+        </p:nvPicPr>
+        <p:blipFill>
+          <a:blip r:embed="rId2">
+            <a:extLst>
+              <a:ext uri="{28A0092B-C50C-407E-A947-70E740481C1C}">
+                <a14:useLocalDpi xmlns:a14="http://schemas.microsoft.com/office/drawing/2010/main" val="0"/>
+              </a:ext>
+            </a:extLst>
+          </a:blip>
+          <a:stretch>
+            <a:fillRect/>
+          </a:stretch>
+        </p:blipFill>
+        <p:spPr>
+          <a:xfrm>
+            <a:off x="3332508" y="2142067"/>
+            <a:ext cx="4838010" cy="3623837"/>
+          </a:xfrm>
+        </p:spPr>
+      </p:pic>
+      <p:sp>
+        <p:nvSpPr>
+          <p:cNvPr id="4" name="Footer Placeholder 3">
+            <a:extLst>
+              <a:ext uri="{FF2B5EF4-FFF2-40B4-BE49-F238E27FC236}">
+                <a16:creationId xmlns:a16="http://schemas.microsoft.com/office/drawing/2014/main" id="{F346B472-258A-4A09-A728-96DFCCB492D3}"/>
+              </a:ext>
+            </a:extLst>
+          </p:cNvPr>
+          <p:cNvSpPr>
+            <a:spLocks noGrp="1"/>
+          </p:cNvSpPr>
+          <p:nvPr>
+            <p:ph type="ftr" sz="quarter" idx="11"/>
+          </p:nvPr>
+        </p:nvSpPr>
+        <p:spPr/>
+        <p:txBody>
+          <a:bodyPr/>
+          <a:lstStyle/>
+          <a:p>
+            <a:endParaRPr lang="en-US"/>
+          </a:p>
+        </p:txBody>
+      </p:sp>
+    </p:spTree>
+    <p:extLst>
+      <p:ext uri="{BB962C8B-B14F-4D97-AF65-F5344CB8AC3E}">
+        <p14:creationId xmlns:p14="http://schemas.microsoft.com/office/powerpoint/2010/main" val="2062410978"/>
+      </p:ext>
+    </p:extLst>
+  </p:cSld>
+  <p:clrMapOvr>
+    <a:masterClrMapping/>
+  </p:clrMapOvr>
+</p:sld>
+</file>
+
 <file path=ppt/slides/slide3.xml><?xml version="1.0" encoding="utf-8"?>
 <p:sld xmlns:a="http://schemas.openxmlformats.org/drawingml/2006/main" xmlns:r="http://schemas.openxmlformats.org/officeDocument/2006/relationships" xmlns:p="http://schemas.openxmlformats.org/presentationml/2006/main">
   <p:cSld>
@@ -19728,6 +20091,13 @@
           </a:p>
           <a:p>
             <a:pPr lvl="1"/>
+            <a:r>
+              <a:rPr lang="en-US" sz="2600" b="1" dirty="0"/>
+              <a:t>Distributed network</a:t>
+            </a:r>
+          </a:p>
+          <a:p>
+            <a:pPr lvl="1"/>
             <a:endParaRPr lang="en-US" sz="2600" b="1" dirty="0"/>
           </a:p>
         </p:txBody>
@@ -19791,7 +20161,7 @@
                             </p:stCondLst>
                             <p:childTnLst>
                               <p:par>
-                                <p:cTn id="5" presetID="1" presetClass="entr" presetSubtype="0" fill="hold" grpId="0" nodeType="afterEffect">
+                                <p:cTn id="5" presetID="1" presetClass="entr" presetSubtype="0" fill="hold" grpId="0" nodeType="withEffect">
                                   <p:stCondLst>
                                     <p:cond delay="0"/>
                                   </p:stCondLst>
@@ -19821,24 +20191,15 @@
                                   </p:childTnLst>
                                 </p:cTn>
                               </p:par>
-                            </p:childTnLst>
-                          </p:cTn>
-                        </p:par>
-                        <p:par>
-                          <p:cTn id="7" fill="hold">
-                            <p:stCondLst>
-                              <p:cond delay="0"/>
-                            </p:stCondLst>
-                            <p:childTnLst>
                               <p:par>
-                                <p:cTn id="8" presetID="1" presetClass="entr" presetSubtype="0" fill="hold" grpId="0" nodeType="afterEffect">
+                                <p:cTn id="7" presetID="1" presetClass="entr" presetSubtype="0" fill="hold" grpId="0" nodeType="withEffect">
                                   <p:stCondLst>
                                     <p:cond delay="0"/>
                                   </p:stCondLst>
                                   <p:childTnLst>
                                     <p:set>
                                       <p:cBhvr>
-                                        <p:cTn id="9" dur="1" fill="hold">
+                                        <p:cTn id="8" dur="1" fill="hold">
                                           <p:stCondLst>
                                             <p:cond delay="0"/>
                                           </p:stCondLst>
@@ -19868,26 +20229,26 @@
                     </p:cTn>
                   </p:par>
                   <p:par>
-                    <p:cTn id="10" fill="hold">
+                    <p:cTn id="9" fill="hold">
                       <p:stCondLst>
                         <p:cond delay="indefinite"/>
                       </p:stCondLst>
                       <p:childTnLst>
                         <p:par>
-                          <p:cTn id="11" fill="hold">
+                          <p:cTn id="10" fill="hold">
                             <p:stCondLst>
                               <p:cond delay="0"/>
                             </p:stCondLst>
                             <p:childTnLst>
                               <p:par>
-                                <p:cTn id="12" presetID="1" presetClass="entr" presetSubtype="0" fill="hold" grpId="0" nodeType="clickEffect">
+                                <p:cTn id="11" presetID="1" presetClass="entr" presetSubtype="0" fill="hold" nodeType="clickEffect">
                                   <p:stCondLst>
                                     <p:cond delay="0"/>
                                   </p:stCondLst>
                                   <p:childTnLst>
                                     <p:set>
                                       <p:cBhvr>
-                                        <p:cTn id="13" dur="1" fill="hold">
+                                        <p:cTn id="12" dur="1" fill="hold">
                                           <p:stCondLst>
                                             <p:cond delay="0"/>
                                           </p:stCondLst>
@@ -19917,26 +20278,26 @@
                     </p:cTn>
                   </p:par>
                   <p:par>
-                    <p:cTn id="14" fill="hold">
+                    <p:cTn id="13" fill="hold">
                       <p:stCondLst>
                         <p:cond delay="indefinite"/>
                       </p:stCondLst>
                       <p:childTnLst>
                         <p:par>
-                          <p:cTn id="15" fill="hold">
+                          <p:cTn id="14" fill="hold">
                             <p:stCondLst>
                               <p:cond delay="0"/>
                             </p:stCondLst>
                             <p:childTnLst>
                               <p:par>
-                                <p:cTn id="16" presetID="1" presetClass="entr" presetSubtype="0" fill="hold" grpId="0" nodeType="clickEffect">
+                                <p:cTn id="15" presetID="1" presetClass="entr" presetSubtype="0" fill="hold" nodeType="clickEffect">
                                   <p:stCondLst>
                                     <p:cond delay="0"/>
                                   </p:stCondLst>
                                   <p:childTnLst>
                                     <p:set>
                                       <p:cBhvr>
-                                        <p:cTn id="17" dur="1" fill="hold">
+                                        <p:cTn id="16" dur="1" fill="hold">
                                           <p:stCondLst>
                                             <p:cond delay="0"/>
                                           </p:stCondLst>
@@ -19966,26 +20327,26 @@
                     </p:cTn>
                   </p:par>
                   <p:par>
-                    <p:cTn id="18" fill="hold">
+                    <p:cTn id="17" fill="hold">
                       <p:stCondLst>
                         <p:cond delay="indefinite"/>
                       </p:stCondLst>
                       <p:childTnLst>
                         <p:par>
-                          <p:cTn id="19" fill="hold">
+                          <p:cTn id="18" fill="hold">
                             <p:stCondLst>
                               <p:cond delay="0"/>
                             </p:stCondLst>
                             <p:childTnLst>
                               <p:par>
-                                <p:cTn id="20" presetID="1" presetClass="entr" presetSubtype="0" fill="hold" grpId="0" nodeType="clickEffect">
+                                <p:cTn id="19" presetID="1" presetClass="entr" presetSubtype="0" fill="hold" nodeType="clickEffect">
                                   <p:stCondLst>
                                     <p:cond delay="0"/>
                                   </p:stCondLst>
                                   <p:childTnLst>
                                     <p:set>
                                       <p:cBhvr>
-                                        <p:cTn id="21" dur="1" fill="hold">
+                                        <p:cTn id="20" dur="1" fill="hold">
                                           <p:stCondLst>
                                             <p:cond delay="0"/>
                                           </p:stCondLst>
@@ -19994,6 +20355,55 @@
                                           <p:spTgt spid="3">
                                             <p:txEl>
                                               <p:pRg st="4" end="4"/>
+                                            </p:txEl>
+                                          </p:spTgt>
+                                        </p:tgtEl>
+                                        <p:attrNameLst>
+                                          <p:attrName>style.visibility</p:attrName>
+                                        </p:attrNameLst>
+                                      </p:cBhvr>
+                                      <p:to>
+                                        <p:strVal val="visible"/>
+                                      </p:to>
+                                    </p:set>
+                                  </p:childTnLst>
+                                </p:cTn>
+                              </p:par>
+                            </p:childTnLst>
+                          </p:cTn>
+                        </p:par>
+                      </p:childTnLst>
+                    </p:cTn>
+                  </p:par>
+                  <p:par>
+                    <p:cTn id="21" fill="hold">
+                      <p:stCondLst>
+                        <p:cond delay="indefinite"/>
+                      </p:stCondLst>
+                      <p:childTnLst>
+                        <p:par>
+                          <p:cTn id="22" fill="hold">
+                            <p:stCondLst>
+                              <p:cond delay="0"/>
+                            </p:stCondLst>
+                            <p:childTnLst>
+                              <p:par>
+                                <p:cTn id="23" presetID="1" presetClass="entr" presetSubtype="0" fill="hold" nodeType="clickEffect">
+                                  <p:stCondLst>
+                                    <p:cond delay="0"/>
+                                  </p:stCondLst>
+                                  <p:childTnLst>
+                                    <p:set>
+                                      <p:cBhvr>
+                                        <p:cTn id="24" dur="1" fill="hold">
+                                          <p:stCondLst>
+                                            <p:cond delay="0"/>
+                                          </p:stCondLst>
+                                        </p:cTn>
+                                        <p:tgtEl>
+                                          <p:spTgt spid="3">
+                                            <p:txEl>
+                                              <p:pRg st="5" end="5"/>
                                             </p:txEl>
                                           </p:spTgt>
                                         </p:tgtEl>
@@ -20107,7 +20517,19 @@
           <a:p>
             <a:r>
               <a:rPr lang="en-US" dirty="0"/>
-              <a:t>General concept of Blockchain</a:t>
+              <a:t>General concept of </a:t>
+            </a:r>
+            <a:r>
+              <a:rPr lang="en-US" dirty="0">
+                <a:solidFill>
+                  <a:schemeClr val="accent5"/>
+                </a:solidFill>
+              </a:rPr>
+              <a:t>Block</a:t>
+            </a:r>
+            <a:r>
+              <a:rPr lang="en-US" dirty="0"/>
+              <a:t>chain</a:t>
             </a:r>
           </a:p>
         </p:txBody>
@@ -20676,7 +21098,19 @@
           <a:p>
             <a:r>
               <a:rPr lang="en-US" dirty="0"/>
-              <a:t>General concept of Blockchain</a:t>
+              <a:t>General concept of </a:t>
+            </a:r>
+            <a:r>
+              <a:rPr lang="en-US" dirty="0">
+                <a:solidFill>
+                  <a:schemeClr val="accent5"/>
+                </a:solidFill>
+              </a:rPr>
+              <a:t>Block</a:t>
+            </a:r>
+            <a:r>
+              <a:rPr lang="en-US" dirty="0"/>
+              <a:t>chain</a:t>
             </a:r>
           </a:p>
         </p:txBody>
@@ -21281,7 +21715,19 @@
           <a:p>
             <a:r>
               <a:rPr lang="en-US" dirty="0"/>
-              <a:t>General concept of Blockchain</a:t>
+              <a:t>General concept of Blockchain (</a:t>
+            </a:r>
+            <a:r>
+              <a:rPr lang="en-US" dirty="0">
+                <a:solidFill>
+                  <a:schemeClr val="accent5"/>
+                </a:solidFill>
+              </a:rPr>
+              <a:t>mining</a:t>
+            </a:r>
+            <a:r>
+              <a:rPr lang="en-US" dirty="0"/>
+              <a:t>)</a:t>
             </a:r>
           </a:p>
         </p:txBody>
@@ -21548,8 +21994,8 @@
           </a:p>
         </p:txBody>
       </p:sp>
-      <mc:AlternateContent xmlns:mc="http://schemas.openxmlformats.org/markup-compatibility/2006">
-        <mc:Choice xmlns:p14="http://schemas.microsoft.com/office/powerpoint/2010/main" Requires="p14">
+      <mc:AlternateContent xmlns:mc="http://schemas.openxmlformats.org/markup-compatibility/2006" xmlns:p14="http://schemas.microsoft.com/office/powerpoint/2010/main">
+        <mc:Choice Requires="p14">
           <p:contentPart p14:bwMode="auto" r:id="rId12">
             <p14:nvContentPartPr>
               <p14:cNvPr id="14" name="Ink 13">
@@ -21568,7 +22014,7 @@
             </p14:xfrm>
           </p:contentPart>
         </mc:Choice>
-        <mc:Fallback>
+        <mc:Fallback xmlns="">
           <p:pic>
             <p:nvPicPr>
               <p:cNvPr id="14" name="Ink 13">
@@ -22088,7 +22534,15 @@
           <a:p>
             <a:r>
               <a:rPr lang="en-US" dirty="0"/>
-              <a:t>General concept of Blockchain</a:t>
+              <a:t>General concept of Block</a:t>
+            </a:r>
+            <a:r>
+              <a:rPr lang="en-US" dirty="0">
+                <a:solidFill>
+                  <a:schemeClr val="accent5"/>
+                </a:solidFill>
+              </a:rPr>
+              <a:t>chain</a:t>
             </a:r>
           </a:p>
         </p:txBody>
@@ -22835,6 +23289,51 @@
                                           </p:stCondLst>
                                         </p:cTn>
                                         <p:tgtEl>
+                                          <p:spTgt spid="21"/>
+                                        </p:tgtEl>
+                                        <p:attrNameLst>
+                                          <p:attrName>style.visibility</p:attrName>
+                                        </p:attrNameLst>
+                                      </p:cBhvr>
+                                      <p:to>
+                                        <p:strVal val="visible"/>
+                                      </p:to>
+                                    </p:set>
+                                  </p:childTnLst>
+                                </p:cTn>
+                              </p:par>
+                            </p:childTnLst>
+                          </p:cTn>
+                        </p:par>
+                      </p:childTnLst>
+                    </p:cTn>
+                  </p:par>
+                  <p:par>
+                    <p:cTn id="15" fill="hold">
+                      <p:stCondLst>
+                        <p:cond delay="indefinite"/>
+                      </p:stCondLst>
+                      <p:childTnLst>
+                        <p:par>
+                          <p:cTn id="16" fill="hold">
+                            <p:stCondLst>
+                              <p:cond delay="0"/>
+                            </p:stCondLst>
+                            <p:childTnLst>
+                              <p:par>
+                                <p:cTn id="17" presetID="1" presetClass="entr" presetSubtype="0" fill="hold" grpId="0" nodeType="clickEffect">
+                                  <p:stCondLst>
+                                    <p:cond delay="0"/>
+                                  </p:stCondLst>
+                                  <p:childTnLst>
+                                    <p:set>
+                                      <p:cBhvr>
+                                        <p:cTn id="18" dur="1" fill="hold">
+                                          <p:stCondLst>
+                                            <p:cond delay="0"/>
+                                          </p:stCondLst>
+                                        </p:cTn>
+                                        <p:tgtEl>
                                           <p:spTgt spid="20"/>
                                         </p:tgtEl>
                                         <p:attrNameLst>
@@ -22849,14 +23348,14 @@
                                 </p:cTn>
                               </p:par>
                               <p:par>
-                                <p:cTn id="15" presetID="1" presetClass="entr" presetSubtype="0" fill="hold" grpId="0" nodeType="withEffect">
+                                <p:cTn id="19" presetID="1" presetClass="entr" presetSubtype="0" fill="hold" grpId="0" nodeType="withEffect">
                                   <p:stCondLst>
                                     <p:cond delay="0"/>
                                   </p:stCondLst>
                                   <p:childTnLst>
                                     <p:set>
                                       <p:cBhvr>
-                                        <p:cTn id="16" dur="1" fill="hold">
+                                        <p:cTn id="20" dur="1" fill="hold">
                                           <p:stCondLst>
                                             <p:cond delay="0"/>
                                           </p:stCondLst>
@@ -22876,14 +23375,14 @@
                                 </p:cTn>
                               </p:par>
                               <p:par>
-                                <p:cTn id="17" presetID="1" presetClass="entr" presetSubtype="0" fill="hold" grpId="0" nodeType="withEffect">
+                                <p:cTn id="21" presetID="1" presetClass="entr" presetSubtype="0" fill="hold" grpId="0" nodeType="withEffect">
                                   <p:stCondLst>
                                     <p:cond delay="0"/>
                                   </p:stCondLst>
                                   <p:childTnLst>
                                     <p:set>
                                       <p:cBhvr>
-                                        <p:cTn id="18" dur="1" fill="hold">
+                                        <p:cTn id="22" dur="1" fill="hold">
                                           <p:stCondLst>
                                             <p:cond delay="0"/>
                                           </p:stCondLst>
@@ -22903,61 +23402,7 @@
                                 </p:cTn>
                               </p:par>
                               <p:par>
-                                <p:cTn id="19" presetID="1" presetClass="entr" presetSubtype="0" fill="hold" nodeType="withEffect">
-                                  <p:stCondLst>
-                                    <p:cond delay="0"/>
-                                  </p:stCondLst>
-                                  <p:childTnLst>
-                                    <p:set>
-                                      <p:cBhvr>
-                                        <p:cTn id="20" dur="1" fill="hold">
-                                          <p:stCondLst>
-                                            <p:cond delay="0"/>
-                                          </p:stCondLst>
-                                        </p:cTn>
-                                        <p:tgtEl>
-                                          <p:spTgt spid="23"/>
-                                        </p:tgtEl>
-                                        <p:attrNameLst>
-                                          <p:attrName>style.visibility</p:attrName>
-                                        </p:attrNameLst>
-                                      </p:cBhvr>
-                                      <p:to>
-                                        <p:strVal val="visible"/>
-                                      </p:to>
-                                    </p:set>
-                                  </p:childTnLst>
-                                </p:cTn>
-                              </p:par>
-                              <p:par>
-                                <p:cTn id="21" presetID="1" presetClass="entr" presetSubtype="0" fill="hold" nodeType="withEffect">
-                                  <p:stCondLst>
-                                    <p:cond delay="0"/>
-                                  </p:stCondLst>
-                                  <p:childTnLst>
-                                    <p:set>
-                                      <p:cBhvr>
-                                        <p:cTn id="22" dur="1" fill="hold">
-                                          <p:stCondLst>
-                                            <p:cond delay="0"/>
-                                          </p:stCondLst>
-                                        </p:cTn>
-                                        <p:tgtEl>
-                                          <p:spTgt spid="24"/>
-                                        </p:tgtEl>
-                                        <p:attrNameLst>
-                                          <p:attrName>style.visibility</p:attrName>
-                                        </p:attrNameLst>
-                                      </p:cBhvr>
-                                      <p:to>
-                                        <p:strVal val="visible"/>
-                                      </p:to>
-                                    </p:set>
-                                  </p:childTnLst>
-                                </p:cTn>
-                              </p:par>
-                              <p:par>
-                                <p:cTn id="23" presetID="1" presetClass="entr" presetSubtype="0" fill="hold" grpId="0" nodeType="withEffect">
+                                <p:cTn id="23" presetID="1" presetClass="entr" presetSubtype="0" fill="hold" nodeType="withEffect">
                                   <p:stCondLst>
                                     <p:cond delay="0"/>
                                   </p:stCondLst>
@@ -22970,7 +23415,7 @@
                                           </p:stCondLst>
                                         </p:cTn>
                                         <p:tgtEl>
-                                          <p:spTgt spid="25"/>
+                                          <p:spTgt spid="23"/>
                                         </p:tgtEl>
                                         <p:attrNameLst>
                                           <p:attrName>style.visibility</p:attrName>
@@ -22997,6 +23442,60 @@
                                           </p:stCondLst>
                                         </p:cTn>
                                         <p:tgtEl>
+                                          <p:spTgt spid="24"/>
+                                        </p:tgtEl>
+                                        <p:attrNameLst>
+                                          <p:attrName>style.visibility</p:attrName>
+                                        </p:attrNameLst>
+                                      </p:cBhvr>
+                                      <p:to>
+                                        <p:strVal val="visible"/>
+                                      </p:to>
+                                    </p:set>
+                                  </p:childTnLst>
+                                </p:cTn>
+                              </p:par>
+                              <p:par>
+                                <p:cTn id="27" presetID="1" presetClass="entr" presetSubtype="0" fill="hold" grpId="0" nodeType="withEffect">
+                                  <p:stCondLst>
+                                    <p:cond delay="0"/>
+                                  </p:stCondLst>
+                                  <p:childTnLst>
+                                    <p:set>
+                                      <p:cBhvr>
+                                        <p:cTn id="28" dur="1" fill="hold">
+                                          <p:stCondLst>
+                                            <p:cond delay="0"/>
+                                          </p:stCondLst>
+                                        </p:cTn>
+                                        <p:tgtEl>
+                                          <p:spTgt spid="25"/>
+                                        </p:tgtEl>
+                                        <p:attrNameLst>
+                                          <p:attrName>style.visibility</p:attrName>
+                                        </p:attrNameLst>
+                                      </p:cBhvr>
+                                      <p:to>
+                                        <p:strVal val="visible"/>
+                                      </p:to>
+                                    </p:set>
+                                  </p:childTnLst>
+                                </p:cTn>
+                              </p:par>
+                              <p:par>
+                                <p:cTn id="29" presetID="1" presetClass="entr" presetSubtype="0" fill="hold" nodeType="withEffect">
+                                  <p:stCondLst>
+                                    <p:cond delay="0"/>
+                                  </p:stCondLst>
+                                  <p:childTnLst>
+                                    <p:set>
+                                      <p:cBhvr>
+                                        <p:cTn id="30" dur="1" fill="hold">
+                                          <p:stCondLst>
+                                            <p:cond delay="0"/>
+                                          </p:stCondLst>
+                                        </p:cTn>
+                                        <p:tgtEl>
                                           <p:spTgt spid="22"/>
                                         </p:tgtEl>
                                         <p:attrNameLst>
@@ -23011,14 +23510,14 @@
                                 </p:cTn>
                               </p:par>
                               <p:par>
-                                <p:cTn id="27" presetID="1" presetClass="entr" presetSubtype="0" fill="hold" nodeType="withEffect">
+                                <p:cTn id="31" presetID="1" presetClass="entr" presetSubtype="0" fill="hold" nodeType="withEffect">
                                   <p:stCondLst>
                                     <p:cond delay="0"/>
                                   </p:stCondLst>
                                   <p:childTnLst>
                                     <p:set>
                                       <p:cBhvr>
-                                        <p:cTn id="28" dur="1" fill="hold">
+                                        <p:cTn id="32" dur="1" fill="hold">
                                           <p:stCondLst>
                                             <p:cond delay="0"/>
                                           </p:stCondLst>
@@ -23038,14 +23537,14 @@
                                 </p:cTn>
                               </p:par>
                               <p:par>
-                                <p:cTn id="29" presetID="1" presetClass="entr" presetSubtype="0" fill="hold" grpId="0" nodeType="withEffect">
+                                <p:cTn id="33" presetID="1" presetClass="entr" presetSubtype="0" fill="hold" grpId="0" nodeType="withEffect">
                                   <p:stCondLst>
                                     <p:cond delay="0"/>
                                   </p:stCondLst>
                                   <p:childTnLst>
                                     <p:set>
                                       <p:cBhvr>
-                                        <p:cTn id="30" dur="1" fill="hold">
+                                        <p:cTn id="34" dur="1" fill="hold">
                                           <p:stCondLst>
                                             <p:cond delay="0"/>
                                           </p:stCondLst>
@@ -23071,32 +23570,59 @@
                     </p:cTn>
                   </p:par>
                   <p:par>
-                    <p:cTn id="31" fill="hold">
+                    <p:cTn id="35" fill="hold">
                       <p:stCondLst>
                         <p:cond delay="indefinite"/>
                       </p:stCondLst>
                       <p:childTnLst>
                         <p:par>
-                          <p:cTn id="32" fill="hold">
+                          <p:cTn id="36" fill="hold">
                             <p:stCondLst>
                               <p:cond delay="0"/>
                             </p:stCondLst>
                             <p:childTnLst>
                               <p:par>
-                                <p:cTn id="33" presetID="1" presetClass="entr" presetSubtype="0" fill="hold" nodeType="clickEffect">
+                                <p:cTn id="37" presetID="1" presetClass="entr" presetSubtype="0" fill="hold" nodeType="clickEffect">
                                   <p:stCondLst>
                                     <p:cond delay="0"/>
                                   </p:stCondLst>
                                   <p:childTnLst>
                                     <p:set>
                                       <p:cBhvr>
-                                        <p:cTn id="34" dur="1" fill="hold">
+                                        <p:cTn id="38" dur="1" fill="hold">
                                           <p:stCondLst>
                                             <p:cond delay="0"/>
                                           </p:stCondLst>
                                         </p:cTn>
                                         <p:tgtEl>
                                           <p:spTgt spid="28"/>
+                                        </p:tgtEl>
+                                        <p:attrNameLst>
+                                          <p:attrName>style.visibility</p:attrName>
+                                        </p:attrNameLst>
+                                      </p:cBhvr>
+                                      <p:to>
+                                        <p:strVal val="visible"/>
+                                      </p:to>
+                                    </p:set>
+                                  </p:childTnLst>
+                                </p:cTn>
+                              </p:par>
+                              <p:par>
+                                <p:cTn id="39" presetID="1" presetClass="entr" presetSubtype="0" fill="hold" grpId="0" nodeType="withEffect">
+                                  <p:stCondLst>
+                                    <p:cond delay="0"/>
+                                  </p:stCondLst>
+                                  <p:childTnLst>
+                                    <p:set>
+                                      <p:cBhvr>
+                                        <p:cTn id="40" dur="1" fill="hold">
+                                          <p:stCondLst>
+                                            <p:cond delay="0"/>
+                                          </p:stCondLst>
+                                        </p:cTn>
+                                        <p:tgtEl>
+                                          <p:spTgt spid="31"/>
                                         </p:tgtEl>
                                         <p:attrNameLst>
                                           <p:attrName>style.visibility</p:attrName>
@@ -23140,8 +23666,10 @@
       <p:bldP spid="18" grpId="0" animBg="1"/>
       <p:bldP spid="19" grpId="0" animBg="1"/>
       <p:bldP spid="20" grpId="0" animBg="1"/>
+      <p:bldP spid="21" grpId="0"/>
       <p:bldP spid="25" grpId="0" animBg="1"/>
       <p:bldP spid="27" grpId="0" animBg="1"/>
+      <p:bldP spid="31" grpId="0"/>
     </p:bldLst>
   </p:timing>
 </p:sld>

--- a/The Future of BlockchainV2.pptx
+++ b/The Future of BlockchainV2.pptx
@@ -5,29 +5,28 @@
     <p:sldMasterId id="2147483750" r:id="rId1"/>
   </p:sldMasterIdLst>
   <p:notesMasterIdLst>
-    <p:notesMasterId r:id="rId22"/>
+    <p:notesMasterId r:id="rId21"/>
   </p:notesMasterIdLst>
   <p:sldIdLst>
     <p:sldId id="256" r:id="rId2"/>
-    <p:sldId id="257" r:id="rId3"/>
-    <p:sldId id="269" r:id="rId4"/>
-    <p:sldId id="275" r:id="rId5"/>
-    <p:sldId id="270" r:id="rId6"/>
-    <p:sldId id="271" r:id="rId7"/>
-    <p:sldId id="272" r:id="rId8"/>
-    <p:sldId id="273" r:id="rId9"/>
-    <p:sldId id="274" r:id="rId10"/>
-    <p:sldId id="259" r:id="rId11"/>
-    <p:sldId id="260" r:id="rId12"/>
-    <p:sldId id="261" r:id="rId13"/>
-    <p:sldId id="258" r:id="rId14"/>
-    <p:sldId id="265" r:id="rId15"/>
-    <p:sldId id="266" r:id="rId16"/>
-    <p:sldId id="267" r:id="rId17"/>
-    <p:sldId id="276" r:id="rId18"/>
-    <p:sldId id="262" r:id="rId19"/>
-    <p:sldId id="264" r:id="rId20"/>
-    <p:sldId id="268" r:id="rId21"/>
+    <p:sldId id="269" r:id="rId3"/>
+    <p:sldId id="275" r:id="rId4"/>
+    <p:sldId id="270" r:id="rId5"/>
+    <p:sldId id="271" r:id="rId6"/>
+    <p:sldId id="272" r:id="rId7"/>
+    <p:sldId id="273" r:id="rId8"/>
+    <p:sldId id="274" r:id="rId9"/>
+    <p:sldId id="259" r:id="rId10"/>
+    <p:sldId id="260" r:id="rId11"/>
+    <p:sldId id="261" r:id="rId12"/>
+    <p:sldId id="258" r:id="rId13"/>
+    <p:sldId id="265" r:id="rId14"/>
+    <p:sldId id="266" r:id="rId15"/>
+    <p:sldId id="267" r:id="rId16"/>
+    <p:sldId id="276" r:id="rId17"/>
+    <p:sldId id="262" r:id="rId18"/>
+    <p:sldId id="264" r:id="rId19"/>
+    <p:sldId id="268" r:id="rId20"/>
   </p:sldIdLst>
   <p:sldSz cx="12192000" cy="6858000"/>
   <p:notesSz cx="6858000" cy="9144000"/>
@@ -132,7 +131,6 @@
         <p14:section name="Default Section" id="{F6A5B683-F9E7-4D45-9233-0BAE688C1117}">
           <p14:sldIdLst>
             <p14:sldId id="256"/>
-            <p14:sldId id="257"/>
             <p14:sldId id="269"/>
             <p14:sldId id="275"/>
             <p14:sldId id="270"/>
@@ -9682,7 +9680,7 @@
           <a:p>
             <a:fld id="{F454D6B2-E810-4A64-9BA8-55BC563FD3C6}" type="datetimeFigureOut">
               <a:rPr lang="en-US" smtClean="0"/>
-              <a:t>4/24/2022</a:t>
+              <a:t>4/25/2022</a:t>
             </a:fld>
             <a:endParaRPr lang="en-US"/>
           </a:p>
@@ -10031,7 +10029,7 @@
           <a:p>
             <a:fld id="{CA2FFBD6-4966-4938-9437-AAC1CC38B222}" type="slidenum">
               <a:rPr lang="en-US" smtClean="0"/>
-              <a:t>8</a:t>
+              <a:t>7</a:t>
             </a:fld>
             <a:endParaRPr lang="en-US"/>
           </a:p>
@@ -10134,7 +10132,7 @@
           <a:p>
             <a:fld id="{CA2FFBD6-4966-4938-9437-AAC1CC38B222}" type="slidenum">
               <a:rPr lang="en-US" smtClean="0"/>
-              <a:t>13</a:t>
+              <a:t>12</a:t>
             </a:fld>
             <a:endParaRPr lang="en-US"/>
           </a:p>
@@ -10382,7 +10380,7 @@
           <a:p>
             <a:fld id="{4F8EDF7F-3C73-4429-B464-79D52963A752}" type="datetime1">
               <a:rPr lang="en-US" smtClean="0"/>
-              <a:t>4/24/2022</a:t>
+              <a:t>4/25/2022</a:t>
             </a:fld>
             <a:endParaRPr lang="en-US"/>
           </a:p>
@@ -10716,7 +10714,7 @@
           <a:p>
             <a:fld id="{3B0DC6D4-4E53-481A-86E5-1D77B4A868E9}" type="datetime1">
               <a:rPr lang="en-US" smtClean="0"/>
-              <a:t>4/24/2022</a:t>
+              <a:t>4/25/2022</a:t>
             </a:fld>
             <a:endParaRPr lang="en-US"/>
           </a:p>
@@ -10995,7 +10993,7 @@
           <a:p>
             <a:fld id="{3B0DC6D4-4E53-481A-86E5-1D77B4A868E9}" type="datetime1">
               <a:rPr lang="en-US" smtClean="0"/>
-              <a:t>4/24/2022</a:t>
+              <a:t>4/25/2022</a:t>
             </a:fld>
             <a:endParaRPr lang="en-US"/>
           </a:p>
@@ -11564,7 +11562,7 @@
           <a:p>
             <a:fld id="{3B0DC6D4-4E53-481A-86E5-1D77B4A868E9}" type="datetime1">
               <a:rPr lang="en-US" smtClean="0"/>
-              <a:t>4/24/2022</a:t>
+              <a:t>4/25/2022</a:t>
             </a:fld>
             <a:endParaRPr lang="en-US"/>
           </a:p>
@@ -11843,7 +11841,7 @@
           <a:p>
             <a:fld id="{3B0DC6D4-4E53-481A-86E5-1D77B4A868E9}" type="datetime1">
               <a:rPr lang="en-US" smtClean="0"/>
-              <a:t>4/24/2022</a:t>
+              <a:t>4/25/2022</a:t>
             </a:fld>
             <a:endParaRPr lang="en-US"/>
           </a:p>
@@ -12406,7 +12404,7 @@
           <a:p>
             <a:fld id="{3B0DC6D4-4E53-481A-86E5-1D77B4A868E9}" type="datetime1">
               <a:rPr lang="en-US" smtClean="0"/>
-              <a:t>4/24/2022</a:t>
+              <a:t>4/25/2022</a:t>
             </a:fld>
             <a:endParaRPr lang="en-US"/>
           </a:p>
@@ -12734,7 +12732,7 @@
           <a:p>
             <a:fld id="{3B0DC6D4-4E53-481A-86E5-1D77B4A868E9}" type="datetime1">
               <a:rPr lang="en-US" smtClean="0"/>
-              <a:t>4/24/2022</a:t>
+              <a:t>4/25/2022</a:t>
             </a:fld>
             <a:endParaRPr lang="en-US"/>
           </a:p>
@@ -12940,7 +12938,7 @@
           <a:p>
             <a:fld id="{EE035E90-96D2-40CA-9D8B-9E9465D75337}" type="datetime1">
               <a:rPr lang="en-US" smtClean="0"/>
-              <a:t>4/24/2022</a:t>
+              <a:t>4/25/2022</a:t>
             </a:fld>
             <a:endParaRPr lang="en-US"/>
           </a:p>
@@ -13150,7 +13148,7 @@
           <a:p>
             <a:fld id="{5C5DB4C3-0EF1-4435-B19E-AA9670EC8C3B}" type="datetime1">
               <a:rPr lang="en-US" smtClean="0"/>
-              <a:t>4/24/2022</a:t>
+              <a:t>4/25/2022</a:t>
             </a:fld>
             <a:endParaRPr lang="en-US"/>
           </a:p>
@@ -13359,7 +13357,7 @@
           <a:p>
             <a:fld id="{1477705E-35F6-417F-8841-D90D9E346D4B}" type="datetime1">
               <a:rPr lang="en-US" smtClean="0"/>
-              <a:t>4/24/2022</a:t>
+              <a:t>4/25/2022</a:t>
             </a:fld>
             <a:endParaRPr lang="en-US"/>
           </a:p>
@@ -13635,7 +13633,7 @@
           <a:p>
             <a:fld id="{66B2BD42-3099-45BB-8076-FE7AF5B78CA6}" type="datetime1">
               <a:rPr lang="en-US" smtClean="0"/>
-              <a:t>4/24/2022</a:t>
+              <a:t>4/25/2022</a:t>
             </a:fld>
             <a:endParaRPr lang="en-US"/>
           </a:p>
@@ -13901,7 +13899,7 @@
           <a:p>
             <a:fld id="{36E2F4DA-F9C8-4357-8FAD-49ADC378FC2A}" type="datetime1">
               <a:rPr lang="en-US" smtClean="0"/>
-              <a:t>4/24/2022</a:t>
+              <a:t>4/25/2022</a:t>
             </a:fld>
             <a:endParaRPr lang="en-US"/>
           </a:p>
@@ -14275,7 +14273,7 @@
           <a:p>
             <a:fld id="{2BE090A4-E75F-43ED-8F86-52E099C428B0}" type="datetime1">
               <a:rPr lang="en-US" smtClean="0"/>
-              <a:t>4/24/2022</a:t>
+              <a:t>4/25/2022</a:t>
             </a:fld>
             <a:endParaRPr lang="en-US"/>
           </a:p>
@@ -14427,7 +14425,7 @@
           <a:p>
             <a:fld id="{1BB3AA94-7768-466F-AFE5-AC0867708B21}" type="datetime1">
               <a:rPr lang="en-US" smtClean="0"/>
-              <a:t>4/24/2022</a:t>
+              <a:t>4/25/2022</a:t>
             </a:fld>
             <a:endParaRPr lang="en-US"/>
           </a:p>
@@ -14552,7 +14550,7 @@
           <a:p>
             <a:fld id="{E75AC77C-7F72-4E0B-A755-36BF25B93E9C}" type="datetime1">
               <a:rPr lang="en-US" smtClean="0"/>
-              <a:t>4/24/2022</a:t>
+              <a:t>4/25/2022</a:t>
             </a:fld>
             <a:endParaRPr lang="en-US"/>
           </a:p>
@@ -14837,7 +14835,7 @@
           <a:p>
             <a:fld id="{A62DE8C4-7B44-4195-A968-F147A766EF9D}" type="datetime1">
               <a:rPr lang="en-US" smtClean="0"/>
-              <a:t>4/24/2022</a:t>
+              <a:t>4/25/2022</a:t>
             </a:fld>
             <a:endParaRPr lang="en-US"/>
           </a:p>
@@ -15161,7 +15159,7 @@
           <a:p>
             <a:fld id="{E93109BB-C69E-4330-A092-CC926DC30BC2}" type="datetime1">
               <a:rPr lang="en-US" smtClean="0"/>
-              <a:t>4/24/2022</a:t>
+              <a:t>4/25/2022</a:t>
             </a:fld>
             <a:endParaRPr lang="en-US"/>
           </a:p>
@@ -15375,7 +15373,7 @@
           <a:p>
             <a:fld id="{3B0DC6D4-4E53-481A-86E5-1D77B4A868E9}" type="datetime1">
               <a:rPr lang="en-US" smtClean="0"/>
-              <a:t>4/24/2022</a:t>
+              <a:t>4/25/2022</a:t>
             </a:fld>
             <a:endParaRPr lang="en-US"/>
           </a:p>
@@ -15912,7 +15910,7 @@
           <a:p>
             <a:r>
               <a:rPr lang="en-US" dirty="0"/>
-              <a:t>The Future of Blockchain</a:t>
+              <a:t>Future of Blockchain</a:t>
             </a:r>
           </a:p>
         </p:txBody>
@@ -15984,171 +15982,6 @@
 </file>
 
 <file path=ppt/slides/slide10.xml><?xml version="1.0" encoding="utf-8"?>
-<p:sld xmlns:a="http://schemas.openxmlformats.org/drawingml/2006/main" xmlns:r="http://schemas.openxmlformats.org/officeDocument/2006/relationships" xmlns:p="http://schemas.openxmlformats.org/presentationml/2006/main">
-  <p:cSld>
-    <p:spTree>
-      <p:nvGrpSpPr>
-        <p:cNvPr id="1" name=""/>
-        <p:cNvGrpSpPr/>
-        <p:nvPr/>
-      </p:nvGrpSpPr>
-      <p:grpSpPr>
-        <a:xfrm>
-          <a:off x="0" y="0"/>
-          <a:ext cx="0" cy="0"/>
-          <a:chOff x="0" y="0"/>
-          <a:chExt cx="0" cy="0"/>
-        </a:xfrm>
-      </p:grpSpPr>
-      <p:sp>
-        <p:nvSpPr>
-          <p:cNvPr id="2" name="Title 1">
-            <a:extLst>
-              <a:ext uri="{FF2B5EF4-FFF2-40B4-BE49-F238E27FC236}">
-                <a16:creationId xmlns:a16="http://schemas.microsoft.com/office/drawing/2014/main" id="{2F8CA95A-2352-4C3C-BB2F-0AF30A641769}"/>
-              </a:ext>
-            </a:extLst>
-          </p:cNvPr>
-          <p:cNvSpPr>
-            <a:spLocks noGrp="1"/>
-          </p:cNvSpPr>
-          <p:nvPr>
-            <p:ph type="title"/>
-          </p:nvPr>
-        </p:nvSpPr>
-        <p:spPr>
-          <a:xfrm>
-            <a:off x="685801" y="383400"/>
-            <a:ext cx="10131425" cy="696686"/>
-          </a:xfrm>
-        </p:spPr>
-        <p:txBody>
-          <a:bodyPr/>
-          <a:lstStyle/>
-          <a:p>
-            <a:r>
-              <a:rPr lang="en-US" dirty="0"/>
-              <a:t>General concept of Blockchain</a:t>
-            </a:r>
-          </a:p>
-        </p:txBody>
-      </p:sp>
-      <p:sp>
-        <p:nvSpPr>
-          <p:cNvPr id="3" name="Content Placeholder 2">
-            <a:extLst>
-              <a:ext uri="{FF2B5EF4-FFF2-40B4-BE49-F238E27FC236}">
-                <a16:creationId xmlns:a16="http://schemas.microsoft.com/office/drawing/2014/main" id="{86A14F35-5599-4413-9392-55743DACF57D}"/>
-              </a:ext>
-            </a:extLst>
-          </p:cNvPr>
-          <p:cNvSpPr>
-            <a:spLocks noGrp="1"/>
-          </p:cNvSpPr>
-          <p:nvPr>
-            <p:ph idx="1"/>
-          </p:nvPr>
-        </p:nvSpPr>
-        <p:spPr>
-          <a:xfrm>
-            <a:off x="685801" y="1080087"/>
-            <a:ext cx="10131425" cy="563184"/>
-          </a:xfrm>
-        </p:spPr>
-        <p:txBody>
-          <a:bodyPr/>
-          <a:lstStyle/>
-          <a:p>
-            <a:r>
-              <a:rPr lang="en-US" dirty="0"/>
-              <a:t>Blockchain is a type of Distributed Ledger Technology</a:t>
-            </a:r>
-          </a:p>
-        </p:txBody>
-      </p:sp>
-      <p:sp>
-        <p:nvSpPr>
-          <p:cNvPr id="4" name="Footer Placeholder 3">
-            <a:extLst>
-              <a:ext uri="{FF2B5EF4-FFF2-40B4-BE49-F238E27FC236}">
-                <a16:creationId xmlns:a16="http://schemas.microsoft.com/office/drawing/2014/main" id="{EFF3A170-42A2-4531-9696-ED1A545EFE91}"/>
-              </a:ext>
-            </a:extLst>
-          </p:cNvPr>
-          <p:cNvSpPr>
-            <a:spLocks noGrp="1"/>
-          </p:cNvSpPr>
-          <p:nvPr>
-            <p:ph type="ftr" sz="quarter" idx="11"/>
-          </p:nvPr>
-        </p:nvSpPr>
-        <p:spPr>
-          <a:xfrm>
-            <a:off x="449451" y="6356350"/>
-            <a:ext cx="11251769" cy="365125"/>
-          </a:xfrm>
-        </p:spPr>
-        <p:txBody>
-          <a:bodyPr/>
-          <a:lstStyle/>
-          <a:p>
-            <a:r>
-              <a:rPr lang="en-US" dirty="0"/>
-              <a:t>https://www.euromoney.com/learning/blockchain-explained/what-is-blockchain</a:t>
-            </a:r>
-          </a:p>
-        </p:txBody>
-      </p:sp>
-      <p:pic>
-        <p:nvPicPr>
-          <p:cNvPr id="6" name="Picture 5">
-            <a:extLst>
-              <a:ext uri="{FF2B5EF4-FFF2-40B4-BE49-F238E27FC236}">
-                <a16:creationId xmlns:a16="http://schemas.microsoft.com/office/drawing/2014/main" id="{EBAD2DA8-7E8C-4B26-8951-72846578A0AE}"/>
-              </a:ext>
-            </a:extLst>
-          </p:cNvPr>
-          <p:cNvPicPr>
-            <a:picLocks noChangeAspect="1"/>
-          </p:cNvPicPr>
-          <p:nvPr/>
-        </p:nvPicPr>
-        <p:blipFill>
-          <a:blip r:embed="rId2">
-            <a:extLst>
-              <a:ext uri="{28A0092B-C50C-407E-A947-70E740481C1C}">
-                <a14:useLocalDpi xmlns:a14="http://schemas.microsoft.com/office/drawing/2010/main" val="0"/>
-              </a:ext>
-            </a:extLst>
-          </a:blip>
-          <a:stretch>
-            <a:fillRect/>
-          </a:stretch>
-        </p:blipFill>
-        <p:spPr>
-          <a:xfrm>
-            <a:off x="2366053" y="1815549"/>
-            <a:ext cx="6607466" cy="4129666"/>
-          </a:xfrm>
-          <a:prstGeom prst="rect">
-            <a:avLst/>
-          </a:prstGeom>
-        </p:spPr>
-      </p:pic>
-    </p:spTree>
-    <p:extLst>
-      <p:ext uri="{BB962C8B-B14F-4D97-AF65-F5344CB8AC3E}">
-        <p14:creationId xmlns:p14="http://schemas.microsoft.com/office/powerpoint/2010/main" val="3561977040"/>
-      </p:ext>
-    </p:extLst>
-  </p:cSld>
-  <p:clrMapOvr>
-    <a:masterClrMapping/>
-  </p:clrMapOvr>
-</p:sld>
-</file>
-
-<file path=ppt/slides/slide11.xml><?xml version="1.0" encoding="utf-8"?>
 <p:sld xmlns:a="http://schemas.openxmlformats.org/drawingml/2006/main" xmlns:r="http://schemas.openxmlformats.org/officeDocument/2006/relationships" xmlns:p="http://schemas.openxmlformats.org/presentationml/2006/main">
   <p:cSld>
     <p:spTree>
@@ -16281,7 +16114,7 @@
 </p:sld>
 </file>
 
-<file path=ppt/slides/slide12.xml><?xml version="1.0" encoding="utf-8"?>
+<file path=ppt/slides/slide11.xml><?xml version="1.0" encoding="utf-8"?>
 <p:sld xmlns:a="http://schemas.openxmlformats.org/drawingml/2006/main" xmlns:r="http://schemas.openxmlformats.org/officeDocument/2006/relationships" xmlns:p="http://schemas.openxmlformats.org/presentationml/2006/main">
   <p:cSld>
     <p:spTree>
@@ -16321,7 +16154,7 @@
           <a:p>
             <a:r>
               <a:rPr lang="en-US" dirty="0"/>
-              <a:t>Common uses of Blockchain</a:t>
+              <a:t>Future of Blockchain</a:t>
             </a:r>
           </a:p>
         </p:txBody>
@@ -16407,7 +16240,7 @@
 </p:sld>
 </file>
 
-<file path=ppt/slides/slide13.xml><?xml version="1.0" encoding="utf-8"?>
+<file path=ppt/slides/slide12.xml><?xml version="1.0" encoding="utf-8"?>
 <p:sld xmlns:a="http://schemas.openxmlformats.org/drawingml/2006/main" xmlns:r="http://schemas.openxmlformats.org/officeDocument/2006/relationships" xmlns:p="http://schemas.openxmlformats.org/presentationml/2006/main">
   <p:cSld>
     <p:spTree>
@@ -16447,7 +16280,7 @@
           <a:p>
             <a:r>
               <a:rPr lang="en-US" dirty="0"/>
-              <a:t>Common uses of Blockchain (Large Data)</a:t>
+              <a:t>Example: Large Data</a:t>
             </a:r>
           </a:p>
         </p:txBody>
@@ -16913,7 +16746,7 @@
 </p:sld>
 </file>
 
-<file path=ppt/slides/slide14.xml><?xml version="1.0" encoding="utf-8"?>
+<file path=ppt/slides/slide13.xml><?xml version="1.0" encoding="utf-8"?>
 <p:sld xmlns:a="http://schemas.openxmlformats.org/drawingml/2006/main" xmlns:r="http://schemas.openxmlformats.org/officeDocument/2006/relationships" xmlns:p="http://schemas.openxmlformats.org/presentationml/2006/main">
   <p:cSld>
     <p:spTree>
@@ -16953,7 +16786,7 @@
           <a:p>
             <a:r>
               <a:rPr lang="en-US" dirty="0"/>
-              <a:t>Common uses of Blockchain (immutability)</a:t>
+              <a:t>Example: immutability (Financial Ledger)</a:t>
             </a:r>
           </a:p>
         </p:txBody>
@@ -17267,7 +17100,7 @@
 </p:sld>
 </file>
 
-<file path=ppt/slides/slide15.xml><?xml version="1.0" encoding="utf-8"?>
+<file path=ppt/slides/slide14.xml><?xml version="1.0" encoding="utf-8"?>
 <p:sld xmlns:a="http://schemas.openxmlformats.org/drawingml/2006/main" xmlns:r="http://schemas.openxmlformats.org/officeDocument/2006/relationships" xmlns:p="http://schemas.openxmlformats.org/presentationml/2006/main">
   <p:cSld>
     <p:spTree>
@@ -17309,7 +17142,7 @@
           <a:p>
             <a:r>
               <a:rPr lang="en-US" dirty="0"/>
-              <a:t>Common uses of Blockchain (Secure transactions)</a:t>
+              <a:t>Example: Secure transactions without central authority</a:t>
             </a:r>
           </a:p>
         </p:txBody>
@@ -17631,7 +17464,7 @@
 </p:sld>
 </file>
 
-<file path=ppt/slides/slide16.xml><?xml version="1.0" encoding="utf-8"?>
+<file path=ppt/slides/slide15.xml><?xml version="1.0" encoding="utf-8"?>
 <p:sld xmlns:a="http://schemas.openxmlformats.org/drawingml/2006/main" xmlns:r="http://schemas.openxmlformats.org/officeDocument/2006/relationships" xmlns:p="http://schemas.openxmlformats.org/presentationml/2006/main">
   <p:cSld>
     <p:spTree>
@@ -17995,7 +17828,7 @@
 </p:sld>
 </file>
 
-<file path=ppt/slides/slide17.xml><?xml version="1.0" encoding="utf-8"?>
+<file path=ppt/slides/slide16.xml><?xml version="1.0" encoding="utf-8"?>
 <p:sld xmlns:a="http://schemas.openxmlformats.org/drawingml/2006/main" xmlns:r="http://schemas.openxmlformats.org/officeDocument/2006/relationships" xmlns:p="http://schemas.openxmlformats.org/presentationml/2006/main">
   <p:cSld>
     <p:spTree>
@@ -18037,7 +17870,7 @@
           <a:p>
             <a:r>
               <a:rPr lang="en-US" dirty="0"/>
-              <a:t>Common uses of Blockchain</a:t>
+              <a:t>Future of Blockchain</a:t>
             </a:r>
           </a:p>
         </p:txBody>
@@ -18356,7 +18189,7 @@
 </p:sld>
 </file>
 
-<file path=ppt/slides/slide18.xml><?xml version="1.0" encoding="utf-8"?>
+<file path=ppt/slides/slide17.xml><?xml version="1.0" encoding="utf-8"?>
 <p:sld xmlns:a="http://schemas.openxmlformats.org/drawingml/2006/main" xmlns:r="http://schemas.openxmlformats.org/officeDocument/2006/relationships" xmlns:p="http://schemas.openxmlformats.org/presentationml/2006/main">
   <p:cSld>
     <p:spTree>
@@ -18456,31 +18289,31 @@
           <a:p>
             <a:r>
               <a:rPr lang="en-US" sz="2400" dirty="0"/>
-              <a:t>Very new development, so monitoring agencies have not developed sufficient standards</a:t>
+              <a:t>Lack of governance due to early stage of technology</a:t>
             </a:r>
           </a:p>
           <a:p>
             <a:r>
               <a:rPr lang="en-US" sz="2400" dirty="0"/>
-              <a:t>Proof of work requires large use of electricity</a:t>
+              <a:t>Proof of work requires vast amount of computing power and electricity</a:t>
             </a:r>
           </a:p>
           <a:p>
             <a:r>
               <a:rPr lang="en-US" sz="2400" dirty="0"/>
-              <a:t>For smaller network of Blockchain, if a single entity holds more than 50% of network nodes, transaction integrity can be affected</a:t>
+              <a:t>Majority stakeholder in mining can alter transactions</a:t>
             </a:r>
           </a:p>
           <a:p>
             <a:r>
               <a:rPr lang="en-US" sz="2400" dirty="0"/>
-              <a:t>Since the transactions are done with public/private key usage, actual entity doing transaction(s) can be hidden (potential misuse for illegal purposes)</a:t>
+              <a:t>Potential misuse for illegal purposes due to ….</a:t>
             </a:r>
           </a:p>
           <a:p>
             <a:r>
               <a:rPr lang="en-US" sz="2400" dirty="0"/>
-              <a:t>Large network makes the speed of transactions slow</a:t>
+              <a:t>Large blockchain makes the speed of transactions slow</a:t>
             </a:r>
           </a:p>
         </p:txBody>
@@ -18776,7 +18609,7 @@
 </p:sld>
 </file>
 
-<file path=ppt/slides/slide19.xml><?xml version="1.0" encoding="utf-8"?>
+<file path=ppt/slides/slide18.xml><?xml version="1.0" encoding="utf-8"?>
 <p:sld xmlns:a="http://schemas.openxmlformats.org/drawingml/2006/main" xmlns:r="http://schemas.openxmlformats.org/officeDocument/2006/relationships" xmlns:p="http://schemas.openxmlformats.org/presentationml/2006/main">
   <p:cSld>
     <p:spTree>
@@ -18816,7 +18649,7 @@
           <a:p>
             <a:r>
               <a:rPr lang="en-US" sz="3600" dirty="0"/>
-              <a:t>Possible uses by us</a:t>
+              <a:t>Relevance to Bessemer</a:t>
             </a:r>
             <a:endParaRPr lang="en-US" dirty="0"/>
           </a:p>
@@ -18847,19 +18680,53 @@
           <a:p>
             <a:r>
               <a:rPr lang="en-US" sz="2400" dirty="0"/>
-              <a:t>May need to participate in public blockchain for settlement processing (Settlement using smart contracts – zero day settlement period)</a:t>
+              <a:t>May need to participate in various public blockchains </a:t>
+            </a:r>
+          </a:p>
+          <a:p>
+            <a:pPr lvl="1"/>
+            <a:r>
+              <a:rPr lang="en-US" sz="2200" dirty="0"/>
+              <a:t>E.g. Zero day settlement using smart contracts</a:t>
             </a:r>
           </a:p>
           <a:p>
             <a:r>
               <a:rPr lang="en-US" sz="2400" dirty="0"/>
-              <a:t>May need to be aware of the crypto positions of our clients</a:t>
+              <a:t>Crypto positions of our clients</a:t>
+            </a:r>
+          </a:p>
+          <a:p>
+            <a:pPr lvl="1"/>
+            <a:r>
+              <a:rPr lang="en-US" sz="2200" dirty="0"/>
+              <a:t>May need to have private blockchain to reflect in our books</a:t>
             </a:r>
           </a:p>
           <a:p>
             <a:r>
               <a:rPr lang="en-US" sz="2400" dirty="0"/>
-              <a:t>Our clients may invest into digital assets and we need to be aware of underlying technology to guard their interests</a:t>
+              <a:t>Speed of getting data to client</a:t>
+            </a:r>
+          </a:p>
+          <a:p>
+            <a:pPr lvl="1"/>
+            <a:r>
+              <a:rPr lang="en-US" sz="2200" dirty="0"/>
+              <a:t>Private blockchain at our regional offices with historical data</a:t>
+            </a:r>
+          </a:p>
+          <a:p>
+            <a:r>
+              <a:rPr lang="en-US" sz="2400" dirty="0"/>
+              <a:t>Our clients may invest into digital assets </a:t>
+            </a:r>
+          </a:p>
+          <a:p>
+            <a:pPr lvl="1"/>
+            <a:r>
+              <a:rPr lang="en-US" sz="2200" dirty="0"/>
+              <a:t>We need to be aware of underlying technology to guard their interests</a:t>
             </a:r>
           </a:p>
         </p:txBody>
@@ -18893,326 +18760,6 @@
     <p:extLst>
       <p:ext uri="{BB962C8B-B14F-4D97-AF65-F5344CB8AC3E}">
         <p14:creationId xmlns:p14="http://schemas.microsoft.com/office/powerpoint/2010/main" val="1911645816"/>
-      </p:ext>
-    </p:extLst>
-  </p:cSld>
-  <p:clrMapOvr>
-    <a:masterClrMapping/>
-  </p:clrMapOvr>
-  <p:timing>
-    <p:tnLst>
-      <p:par>
-        <p:cTn id="1" dur="indefinite" restart="never" nodeType="tmRoot">
-          <p:childTnLst>
-            <p:seq concurrent="1" nextAc="seek">
-              <p:cTn id="2" dur="indefinite" nodeType="mainSeq">
-                <p:childTnLst>
-                  <p:par>
-                    <p:cTn id="3" fill="hold">
-                      <p:stCondLst>
-                        <p:cond delay="indefinite"/>
-                      </p:stCondLst>
-                      <p:childTnLst>
-                        <p:par>
-                          <p:cTn id="4" fill="hold">
-                            <p:stCondLst>
-                              <p:cond delay="0"/>
-                            </p:stCondLst>
-                            <p:childTnLst>
-                              <p:par>
-                                <p:cTn id="5" presetID="1" presetClass="entr" presetSubtype="0" fill="hold" grpId="0" nodeType="clickEffect">
-                                  <p:stCondLst>
-                                    <p:cond delay="0"/>
-                                  </p:stCondLst>
-                                  <p:childTnLst>
-                                    <p:set>
-                                      <p:cBhvr>
-                                        <p:cTn id="6" dur="1" fill="hold">
-                                          <p:stCondLst>
-                                            <p:cond delay="0"/>
-                                          </p:stCondLst>
-                                        </p:cTn>
-                                        <p:tgtEl>
-                                          <p:spTgt spid="3">
-                                            <p:txEl>
-                                              <p:pRg st="0" end="0"/>
-                                            </p:txEl>
-                                          </p:spTgt>
-                                        </p:tgtEl>
-                                        <p:attrNameLst>
-                                          <p:attrName>style.visibility</p:attrName>
-                                        </p:attrNameLst>
-                                      </p:cBhvr>
-                                      <p:to>
-                                        <p:strVal val="visible"/>
-                                      </p:to>
-                                    </p:set>
-                                  </p:childTnLst>
-                                </p:cTn>
-                              </p:par>
-                            </p:childTnLst>
-                          </p:cTn>
-                        </p:par>
-                      </p:childTnLst>
-                    </p:cTn>
-                  </p:par>
-                  <p:par>
-                    <p:cTn id="7" fill="hold">
-                      <p:stCondLst>
-                        <p:cond delay="indefinite"/>
-                      </p:stCondLst>
-                      <p:childTnLst>
-                        <p:par>
-                          <p:cTn id="8" fill="hold">
-                            <p:stCondLst>
-                              <p:cond delay="0"/>
-                            </p:stCondLst>
-                            <p:childTnLst>
-                              <p:par>
-                                <p:cTn id="9" presetID="1" presetClass="entr" presetSubtype="0" fill="hold" grpId="0" nodeType="clickEffect">
-                                  <p:stCondLst>
-                                    <p:cond delay="0"/>
-                                  </p:stCondLst>
-                                  <p:childTnLst>
-                                    <p:set>
-                                      <p:cBhvr>
-                                        <p:cTn id="10" dur="1" fill="hold">
-                                          <p:stCondLst>
-                                            <p:cond delay="0"/>
-                                          </p:stCondLst>
-                                        </p:cTn>
-                                        <p:tgtEl>
-                                          <p:spTgt spid="3">
-                                            <p:txEl>
-                                              <p:pRg st="1" end="1"/>
-                                            </p:txEl>
-                                          </p:spTgt>
-                                        </p:tgtEl>
-                                        <p:attrNameLst>
-                                          <p:attrName>style.visibility</p:attrName>
-                                        </p:attrNameLst>
-                                      </p:cBhvr>
-                                      <p:to>
-                                        <p:strVal val="visible"/>
-                                      </p:to>
-                                    </p:set>
-                                  </p:childTnLst>
-                                </p:cTn>
-                              </p:par>
-                            </p:childTnLst>
-                          </p:cTn>
-                        </p:par>
-                      </p:childTnLst>
-                    </p:cTn>
-                  </p:par>
-                  <p:par>
-                    <p:cTn id="11" fill="hold">
-                      <p:stCondLst>
-                        <p:cond delay="indefinite"/>
-                      </p:stCondLst>
-                      <p:childTnLst>
-                        <p:par>
-                          <p:cTn id="12" fill="hold">
-                            <p:stCondLst>
-                              <p:cond delay="0"/>
-                            </p:stCondLst>
-                            <p:childTnLst>
-                              <p:par>
-                                <p:cTn id="13" presetID="1" presetClass="entr" presetSubtype="0" fill="hold" grpId="0" nodeType="clickEffect">
-                                  <p:stCondLst>
-                                    <p:cond delay="0"/>
-                                  </p:stCondLst>
-                                  <p:childTnLst>
-                                    <p:set>
-                                      <p:cBhvr>
-                                        <p:cTn id="14" dur="1" fill="hold">
-                                          <p:stCondLst>
-                                            <p:cond delay="0"/>
-                                          </p:stCondLst>
-                                        </p:cTn>
-                                        <p:tgtEl>
-                                          <p:spTgt spid="3">
-                                            <p:txEl>
-                                              <p:pRg st="2" end="2"/>
-                                            </p:txEl>
-                                          </p:spTgt>
-                                        </p:tgtEl>
-                                        <p:attrNameLst>
-                                          <p:attrName>style.visibility</p:attrName>
-                                        </p:attrNameLst>
-                                      </p:cBhvr>
-                                      <p:to>
-                                        <p:strVal val="visible"/>
-                                      </p:to>
-                                    </p:set>
-                                  </p:childTnLst>
-                                </p:cTn>
-                              </p:par>
-                            </p:childTnLst>
-                          </p:cTn>
-                        </p:par>
-                      </p:childTnLst>
-                    </p:cTn>
-                  </p:par>
-                </p:childTnLst>
-              </p:cTn>
-              <p:prevCondLst>
-                <p:cond evt="onPrev" delay="0">
-                  <p:tgtEl>
-                    <p:sldTgt/>
-                  </p:tgtEl>
-                </p:cond>
-              </p:prevCondLst>
-              <p:nextCondLst>
-                <p:cond evt="onNext" delay="0">
-                  <p:tgtEl>
-                    <p:sldTgt/>
-                  </p:tgtEl>
-                </p:cond>
-              </p:nextCondLst>
-            </p:seq>
-          </p:childTnLst>
-        </p:cTn>
-      </p:par>
-    </p:tnLst>
-    <p:bldLst>
-      <p:bldP spid="3" grpId="0" uiExpand="1" build="p"/>
-    </p:bldLst>
-  </p:timing>
-</p:sld>
-</file>
-
-<file path=ppt/slides/slide2.xml><?xml version="1.0" encoding="utf-8"?>
-<p:sld xmlns:a="http://schemas.openxmlformats.org/drawingml/2006/main" xmlns:r="http://schemas.openxmlformats.org/officeDocument/2006/relationships" xmlns:p="http://schemas.openxmlformats.org/presentationml/2006/main">
-  <p:cSld>
-    <p:spTree>
-      <p:nvGrpSpPr>
-        <p:cNvPr id="1" name=""/>
-        <p:cNvGrpSpPr/>
-        <p:nvPr/>
-      </p:nvGrpSpPr>
-      <p:grpSpPr>
-        <a:xfrm>
-          <a:off x="0" y="0"/>
-          <a:ext cx="0" cy="0"/>
-          <a:chOff x="0" y="0"/>
-          <a:chExt cx="0" cy="0"/>
-        </a:xfrm>
-      </p:grpSpPr>
-      <p:sp>
-        <p:nvSpPr>
-          <p:cNvPr id="2" name="Title 1">
-            <a:extLst>
-              <a:ext uri="{FF2B5EF4-FFF2-40B4-BE49-F238E27FC236}">
-                <a16:creationId xmlns:a16="http://schemas.microsoft.com/office/drawing/2014/main" id="{5C64B2C0-9825-48CA-B0E3-8BAB8377E75B}"/>
-              </a:ext>
-            </a:extLst>
-          </p:cNvPr>
-          <p:cNvSpPr>
-            <a:spLocks noGrp="1"/>
-          </p:cNvSpPr>
-          <p:nvPr>
-            <p:ph type="title"/>
-          </p:nvPr>
-        </p:nvSpPr>
-        <p:spPr/>
-        <p:txBody>
-          <a:bodyPr/>
-          <a:lstStyle/>
-          <a:p>
-            <a:r>
-              <a:rPr lang="en-US" dirty="0"/>
-              <a:t>What Do I Plan to Cover</a:t>
-            </a:r>
-          </a:p>
-        </p:txBody>
-      </p:sp>
-      <p:sp>
-        <p:nvSpPr>
-          <p:cNvPr id="3" name="Content Placeholder 2">
-            <a:extLst>
-              <a:ext uri="{FF2B5EF4-FFF2-40B4-BE49-F238E27FC236}">
-                <a16:creationId xmlns:a16="http://schemas.microsoft.com/office/drawing/2014/main" id="{E8EACC5E-F238-4A48-AFA2-1211B4267669}"/>
-              </a:ext>
-            </a:extLst>
-          </p:cNvPr>
-          <p:cNvSpPr>
-            <a:spLocks noGrp="1"/>
-          </p:cNvSpPr>
-          <p:nvPr>
-            <p:ph idx="1"/>
-          </p:nvPr>
-        </p:nvSpPr>
-        <p:spPr/>
-        <p:txBody>
-          <a:bodyPr anchor="t">
-            <a:normAutofit/>
-          </a:bodyPr>
-          <a:lstStyle/>
-          <a:p>
-            <a:r>
-              <a:rPr lang="en-US" sz="2800" dirty="0"/>
-              <a:t>General concept of Blockchain</a:t>
-            </a:r>
-          </a:p>
-          <a:p>
-            <a:pPr marL="0" indent="0">
-              <a:buNone/>
-            </a:pPr>
-            <a:r>
-              <a:rPr lang="en-US" sz="2800" dirty="0"/>
-              <a:t>    &amp; How it is implemented</a:t>
-            </a:r>
-          </a:p>
-          <a:p>
-            <a:r>
-              <a:rPr lang="en-US" sz="2800" dirty="0"/>
-              <a:t>Common uses of Blockchain</a:t>
-            </a:r>
-          </a:p>
-          <a:p>
-            <a:r>
-              <a:rPr lang="en-US" sz="2800" dirty="0"/>
-              <a:t>Problems of Blockchain</a:t>
-            </a:r>
-          </a:p>
-          <a:p>
-            <a:r>
-              <a:rPr lang="en-US" sz="2800" dirty="0"/>
-              <a:t>Possible uses by us</a:t>
-            </a:r>
-          </a:p>
-        </p:txBody>
-      </p:sp>
-      <p:sp>
-        <p:nvSpPr>
-          <p:cNvPr id="4" name="Footer Placeholder 3">
-            <a:extLst>
-              <a:ext uri="{FF2B5EF4-FFF2-40B4-BE49-F238E27FC236}">
-                <a16:creationId xmlns:a16="http://schemas.microsoft.com/office/drawing/2014/main" id="{8429974D-6630-4247-ABE4-0A299B500B4C}"/>
-              </a:ext>
-            </a:extLst>
-          </p:cNvPr>
-          <p:cNvSpPr>
-            <a:spLocks noGrp="1"/>
-          </p:cNvSpPr>
-          <p:nvPr>
-            <p:ph type="ftr" sz="quarter" idx="11"/>
-          </p:nvPr>
-        </p:nvSpPr>
-        <p:spPr/>
-        <p:txBody>
-          <a:bodyPr/>
-          <a:lstStyle/>
-          <a:p>
-            <a:endParaRPr lang="en-US"/>
-          </a:p>
-        </p:txBody>
-      </p:sp>
-    </p:spTree>
-    <p:extLst>
-      <p:ext uri="{BB962C8B-B14F-4D97-AF65-F5344CB8AC3E}">
-        <p14:creationId xmlns:p14="http://schemas.microsoft.com/office/powerpoint/2010/main" val="1089123421"/>
       </p:ext>
     </p:extLst>
   </p:cSld>
@@ -19350,33 +18897,15 @@
                                   </p:childTnLst>
                                 </p:cTn>
                               </p:par>
-                            </p:childTnLst>
-                          </p:cTn>
-                        </p:par>
-                      </p:childTnLst>
-                    </p:cTn>
-                  </p:par>
-                  <p:par>
-                    <p:cTn id="13" fill="hold">
-                      <p:stCondLst>
-                        <p:cond delay="indefinite"/>
-                      </p:stCondLst>
-                      <p:childTnLst>
-                        <p:par>
-                          <p:cTn id="14" fill="hold">
-                            <p:stCondLst>
-                              <p:cond delay="0"/>
-                            </p:stCondLst>
-                            <p:childTnLst>
                               <p:par>
-                                <p:cTn id="15" presetID="1" presetClass="entr" presetSubtype="0" fill="hold" grpId="0" nodeType="clickEffect">
+                                <p:cTn id="13" presetID="1" presetClass="entr" presetSubtype="0" fill="hold" grpId="0" nodeType="withEffect">
                                   <p:stCondLst>
                                     <p:cond delay="0"/>
                                   </p:stCondLst>
                                   <p:childTnLst>
                                     <p:set>
                                       <p:cBhvr>
-                                        <p:cTn id="16" dur="1" fill="hold">
+                                        <p:cTn id="14" dur="1" fill="hold">
                                           <p:stCondLst>
                                             <p:cond delay="0"/>
                                           </p:stCondLst>
@@ -19406,19 +18935,50 @@
                     </p:cTn>
                   </p:par>
                   <p:par>
-                    <p:cTn id="17" fill="hold">
+                    <p:cTn id="15" fill="hold">
                       <p:stCondLst>
                         <p:cond delay="indefinite"/>
                       </p:stCondLst>
                       <p:childTnLst>
                         <p:par>
-                          <p:cTn id="18" fill="hold">
+                          <p:cTn id="16" fill="hold">
                             <p:stCondLst>
                               <p:cond delay="0"/>
                             </p:stCondLst>
                             <p:childTnLst>
                               <p:par>
-                                <p:cTn id="19" presetID="1" presetClass="entr" presetSubtype="0" fill="hold" grpId="0" nodeType="clickEffect">
+                                <p:cTn id="17" presetID="1" presetClass="entr" presetSubtype="0" fill="hold" grpId="0" nodeType="clickEffect">
+                                  <p:stCondLst>
+                                    <p:cond delay="0"/>
+                                  </p:stCondLst>
+                                  <p:childTnLst>
+                                    <p:set>
+                                      <p:cBhvr>
+                                        <p:cTn id="18" dur="1" fill="hold">
+                                          <p:stCondLst>
+                                            <p:cond delay="0"/>
+                                          </p:stCondLst>
+                                        </p:cTn>
+                                        <p:tgtEl>
+                                          <p:spTgt spid="3">
+                                            <p:txEl>
+                                              <p:pRg st="4" end="4"/>
+                                            </p:txEl>
+                                          </p:spTgt>
+                                        </p:tgtEl>
+                                        <p:attrNameLst>
+                                          <p:attrName>style.visibility</p:attrName>
+                                        </p:attrNameLst>
+                                      </p:cBhvr>
+                                      <p:to>
+                                        <p:strVal val="visible"/>
+                                      </p:to>
+                                    </p:set>
+                                  </p:childTnLst>
+                                </p:cTn>
+                              </p:par>
+                              <p:par>
+                                <p:cTn id="19" presetID="1" presetClass="entr" presetSubtype="0" fill="hold" grpId="0" nodeType="withEffect">
                                   <p:stCondLst>
                                     <p:cond delay="0"/>
                                   </p:stCondLst>
@@ -19433,7 +18993,87 @@
                                         <p:tgtEl>
                                           <p:spTgt spid="3">
                                             <p:txEl>
-                                              <p:pRg st="4" end="4"/>
+                                              <p:pRg st="5" end="5"/>
+                                            </p:txEl>
+                                          </p:spTgt>
+                                        </p:tgtEl>
+                                        <p:attrNameLst>
+                                          <p:attrName>style.visibility</p:attrName>
+                                        </p:attrNameLst>
+                                      </p:cBhvr>
+                                      <p:to>
+                                        <p:strVal val="visible"/>
+                                      </p:to>
+                                    </p:set>
+                                  </p:childTnLst>
+                                </p:cTn>
+                              </p:par>
+                            </p:childTnLst>
+                          </p:cTn>
+                        </p:par>
+                      </p:childTnLst>
+                    </p:cTn>
+                  </p:par>
+                  <p:par>
+                    <p:cTn id="21" fill="hold">
+                      <p:stCondLst>
+                        <p:cond delay="indefinite"/>
+                      </p:stCondLst>
+                      <p:childTnLst>
+                        <p:par>
+                          <p:cTn id="22" fill="hold">
+                            <p:stCondLst>
+                              <p:cond delay="0"/>
+                            </p:stCondLst>
+                            <p:childTnLst>
+                              <p:par>
+                                <p:cTn id="23" presetID="1" presetClass="entr" presetSubtype="0" fill="hold" grpId="0" nodeType="clickEffect">
+                                  <p:stCondLst>
+                                    <p:cond delay="0"/>
+                                  </p:stCondLst>
+                                  <p:childTnLst>
+                                    <p:set>
+                                      <p:cBhvr>
+                                        <p:cTn id="24" dur="1" fill="hold">
+                                          <p:stCondLst>
+                                            <p:cond delay="0"/>
+                                          </p:stCondLst>
+                                        </p:cTn>
+                                        <p:tgtEl>
+                                          <p:spTgt spid="3">
+                                            <p:txEl>
+                                              <p:pRg st="6" end="6"/>
+                                            </p:txEl>
+                                          </p:spTgt>
+                                        </p:tgtEl>
+                                        <p:attrNameLst>
+                                          <p:attrName>style.visibility</p:attrName>
+                                        </p:attrNameLst>
+                                      </p:cBhvr>
+                                      <p:to>
+                                        <p:strVal val="visible"/>
+                                      </p:to>
+                                    </p:set>
+                                  </p:childTnLst>
+                                </p:cTn>
+                              </p:par>
+                              <p:par>
+                                <p:cTn id="25" presetID="1" presetClass="entr" presetSubtype="0" fill="hold" grpId="0" nodeType="withEffect">
+                                  <p:stCondLst>
+                                    <p:cond delay="0"/>
+                                  </p:stCondLst>
+                                  <p:childTnLst>
+                                    <p:set>
+                                      <p:cBhvr>
+                                        <p:cTn id="26" dur="1" fill="hold">
+                                          <p:stCondLst>
+                                            <p:cond delay="0"/>
+                                          </p:stCondLst>
+                                        </p:cTn>
+                                        <p:tgtEl>
+                                          <p:spTgt spid="3">
+                                            <p:txEl>
+                                              <p:pRg st="7" end="7"/>
                                             </p:txEl>
                                           </p:spTgt>
                                         </p:tgtEl>
@@ -19482,7 +19122,7 @@
 </p:sld>
 </file>
 
-<file path=ppt/slides/slide20.xml><?xml version="1.0" encoding="utf-8"?>
+<file path=ppt/slides/slide19.xml><?xml version="1.0" encoding="utf-8"?>
 <p:sld xmlns:a="http://schemas.openxmlformats.org/drawingml/2006/main" xmlns:r="http://schemas.openxmlformats.org/officeDocument/2006/relationships" xmlns:p="http://schemas.openxmlformats.org/presentationml/2006/main">
   <p:cSld>
     <p:spTree>
@@ -19597,7 +19237,7 @@
 </p:sld>
 </file>
 
-<file path=ppt/slides/slide3.xml><?xml version="1.0" encoding="utf-8"?>
+<file path=ppt/slides/slide2.xml><?xml version="1.0" encoding="utf-8"?>
 <p:sld xmlns:a="http://schemas.openxmlformats.org/drawingml/2006/main" xmlns:r="http://schemas.openxmlformats.org/officeDocument/2006/relationships" xmlns:p="http://schemas.openxmlformats.org/presentationml/2006/main">
   <p:cSld>
     <p:spTree>
@@ -19740,7 +19380,7 @@
 </p:sld>
 </file>
 
-<file path=ppt/slides/slide4.xml><?xml version="1.0" encoding="utf-8"?>
+<file path=ppt/slides/slide3.xml><?xml version="1.0" encoding="utf-8"?>
 <p:sld xmlns:a="http://schemas.openxmlformats.org/drawingml/2006/main" xmlns:r="http://schemas.openxmlformats.org/officeDocument/2006/relationships" xmlns:p="http://schemas.openxmlformats.org/presentationml/2006/main">
   <p:cSld>
     <p:spTree>
@@ -19873,8 +19513,27 @@
               <a:t>hash</a:t>
             </a:r>
             <a:r>
+              <a:rPr lang="en-US" sz="2800" dirty="0">
+                <a:highlight>
+                  <a:srgbClr val="00FFFF"/>
+                </a:highlight>
+              </a:rPr>
+              <a:t> </a:t>
+            </a:r>
+            <a:r>
+              <a:rPr lang="en-US" sz="2800" dirty="0">
+                <a:solidFill>
+                  <a:srgbClr val="FF0000"/>
+                </a:solidFill>
+                <a:highlight>
+                  <a:srgbClr val="00FFFF"/>
+                </a:highlight>
+              </a:rPr>
+              <a:t>of the previous block</a:t>
+            </a:r>
+            <a:r>
               <a:rPr lang="en-US" sz="2800" dirty="0"/>
-              <a:t> of the previous block, a </a:t>
+              <a:t>, a </a:t>
             </a:r>
             <a:r>
               <a:rPr lang="en-US" sz="2800" dirty="0">
@@ -19988,7 +19647,7 @@
 </p:sld>
 </file>
 
-<file path=ppt/slides/slide5.xml><?xml version="1.0" encoding="utf-8"?>
+<file path=ppt/slides/slide4.xml><?xml version="1.0" encoding="utf-8"?>
 <p:sld xmlns:a="http://schemas.openxmlformats.org/drawingml/2006/main" xmlns:r="http://schemas.openxmlformats.org/officeDocument/2006/relationships" xmlns:p="http://schemas.openxmlformats.org/presentationml/2006/main">
   <p:cSld>
     <p:spTree>
@@ -20452,7 +20111,7 @@
 </p:sld>
 </file>
 
-<file path=ppt/slides/slide6.xml><?xml version="1.0" encoding="utf-8"?>
+<file path=ppt/slides/slide5.xml><?xml version="1.0" encoding="utf-8"?>
 <p:sld xmlns:a="http://schemas.openxmlformats.org/drawingml/2006/main" xmlns:r="http://schemas.openxmlformats.org/officeDocument/2006/relationships" xmlns:p="http://schemas.openxmlformats.org/presentationml/2006/main">
   <p:cSld>
     <p:spTree>
@@ -21058,7 +20717,7 @@
 </p:sld>
 </file>
 
-<file path=ppt/slides/slide7.xml><?xml version="1.0" encoding="utf-8"?>
+<file path=ppt/slides/slide6.xml><?xml version="1.0" encoding="utf-8"?>
 <p:sld xmlns:a="http://schemas.openxmlformats.org/drawingml/2006/main" xmlns:r="http://schemas.openxmlformats.org/officeDocument/2006/relationships" xmlns:p="http://schemas.openxmlformats.org/presentationml/2006/main">
   <p:cSld>
     <p:spTree>
@@ -21675,7 +21334,7 @@
 </p:sld>
 </file>
 
-<file path=ppt/slides/slide8.xml><?xml version="1.0" encoding="utf-8"?>
+<file path=ppt/slides/slide7.xml><?xml version="1.0" encoding="utf-8"?>
 <p:sld xmlns:a="http://schemas.openxmlformats.org/drawingml/2006/main" xmlns:r="http://schemas.openxmlformats.org/officeDocument/2006/relationships" xmlns:p="http://schemas.openxmlformats.org/presentationml/2006/main">
   <p:cSld>
     <p:spTree>
@@ -22494,7 +22153,7 @@
 </p:sld>
 </file>
 
-<file path=ppt/slides/slide9.xml><?xml version="1.0" encoding="utf-8"?>
+<file path=ppt/slides/slide8.xml><?xml version="1.0" encoding="utf-8"?>
 <p:sld xmlns:a="http://schemas.openxmlformats.org/drawingml/2006/main" xmlns:r="http://schemas.openxmlformats.org/officeDocument/2006/relationships" xmlns:p="http://schemas.openxmlformats.org/presentationml/2006/main">
   <p:cSld>
     <p:spTree>
@@ -23672,6 +23331,171 @@
       <p:bldP spid="31" grpId="0"/>
     </p:bldLst>
   </p:timing>
+</p:sld>
+</file>
+
+<file path=ppt/slides/slide9.xml><?xml version="1.0" encoding="utf-8"?>
+<p:sld xmlns:a="http://schemas.openxmlformats.org/drawingml/2006/main" xmlns:r="http://schemas.openxmlformats.org/officeDocument/2006/relationships" xmlns:p="http://schemas.openxmlformats.org/presentationml/2006/main">
+  <p:cSld>
+    <p:spTree>
+      <p:nvGrpSpPr>
+        <p:cNvPr id="1" name=""/>
+        <p:cNvGrpSpPr/>
+        <p:nvPr/>
+      </p:nvGrpSpPr>
+      <p:grpSpPr>
+        <a:xfrm>
+          <a:off x="0" y="0"/>
+          <a:ext cx="0" cy="0"/>
+          <a:chOff x="0" y="0"/>
+          <a:chExt cx="0" cy="0"/>
+        </a:xfrm>
+      </p:grpSpPr>
+      <p:sp>
+        <p:nvSpPr>
+          <p:cNvPr id="2" name="Title 1">
+            <a:extLst>
+              <a:ext uri="{FF2B5EF4-FFF2-40B4-BE49-F238E27FC236}">
+                <a16:creationId xmlns:a16="http://schemas.microsoft.com/office/drawing/2014/main" id="{2F8CA95A-2352-4C3C-BB2F-0AF30A641769}"/>
+              </a:ext>
+            </a:extLst>
+          </p:cNvPr>
+          <p:cNvSpPr>
+            <a:spLocks noGrp="1"/>
+          </p:cNvSpPr>
+          <p:nvPr>
+            <p:ph type="title"/>
+          </p:nvPr>
+        </p:nvSpPr>
+        <p:spPr>
+          <a:xfrm>
+            <a:off x="685801" y="383400"/>
+            <a:ext cx="10131425" cy="696686"/>
+          </a:xfrm>
+        </p:spPr>
+        <p:txBody>
+          <a:bodyPr/>
+          <a:lstStyle/>
+          <a:p>
+            <a:r>
+              <a:rPr lang="en-US" dirty="0"/>
+              <a:t>General concept of Blockchain</a:t>
+            </a:r>
+          </a:p>
+        </p:txBody>
+      </p:sp>
+      <p:sp>
+        <p:nvSpPr>
+          <p:cNvPr id="3" name="Content Placeholder 2">
+            <a:extLst>
+              <a:ext uri="{FF2B5EF4-FFF2-40B4-BE49-F238E27FC236}">
+                <a16:creationId xmlns:a16="http://schemas.microsoft.com/office/drawing/2014/main" id="{86A14F35-5599-4413-9392-55743DACF57D}"/>
+              </a:ext>
+            </a:extLst>
+          </p:cNvPr>
+          <p:cNvSpPr>
+            <a:spLocks noGrp="1"/>
+          </p:cNvSpPr>
+          <p:nvPr>
+            <p:ph idx="1"/>
+          </p:nvPr>
+        </p:nvSpPr>
+        <p:spPr>
+          <a:xfrm>
+            <a:off x="685801" y="1080087"/>
+            <a:ext cx="10131425" cy="563184"/>
+          </a:xfrm>
+        </p:spPr>
+        <p:txBody>
+          <a:bodyPr/>
+          <a:lstStyle/>
+          <a:p>
+            <a:r>
+              <a:rPr lang="en-US" dirty="0"/>
+              <a:t>Blockchain is a type of Distributed Ledger Technology</a:t>
+            </a:r>
+          </a:p>
+        </p:txBody>
+      </p:sp>
+      <p:sp>
+        <p:nvSpPr>
+          <p:cNvPr id="4" name="Footer Placeholder 3">
+            <a:extLst>
+              <a:ext uri="{FF2B5EF4-FFF2-40B4-BE49-F238E27FC236}">
+                <a16:creationId xmlns:a16="http://schemas.microsoft.com/office/drawing/2014/main" id="{EFF3A170-42A2-4531-9696-ED1A545EFE91}"/>
+              </a:ext>
+            </a:extLst>
+          </p:cNvPr>
+          <p:cNvSpPr>
+            <a:spLocks noGrp="1"/>
+          </p:cNvSpPr>
+          <p:nvPr>
+            <p:ph type="ftr" sz="quarter" idx="11"/>
+          </p:nvPr>
+        </p:nvSpPr>
+        <p:spPr>
+          <a:xfrm>
+            <a:off x="449451" y="6356350"/>
+            <a:ext cx="11251769" cy="365125"/>
+          </a:xfrm>
+        </p:spPr>
+        <p:txBody>
+          <a:bodyPr/>
+          <a:lstStyle/>
+          <a:p>
+            <a:r>
+              <a:rPr lang="en-US" dirty="0"/>
+              <a:t>https://www.euromoney.com/learning/blockchain-explained/what-is-blockchain</a:t>
+            </a:r>
+          </a:p>
+        </p:txBody>
+      </p:sp>
+      <p:pic>
+        <p:nvPicPr>
+          <p:cNvPr id="6" name="Picture 5">
+            <a:extLst>
+              <a:ext uri="{FF2B5EF4-FFF2-40B4-BE49-F238E27FC236}">
+                <a16:creationId xmlns:a16="http://schemas.microsoft.com/office/drawing/2014/main" id="{EBAD2DA8-7E8C-4B26-8951-72846578A0AE}"/>
+              </a:ext>
+            </a:extLst>
+          </p:cNvPr>
+          <p:cNvPicPr>
+            <a:picLocks noChangeAspect="1"/>
+          </p:cNvPicPr>
+          <p:nvPr/>
+        </p:nvPicPr>
+        <p:blipFill>
+          <a:blip r:embed="rId2">
+            <a:extLst>
+              <a:ext uri="{28A0092B-C50C-407E-A947-70E740481C1C}">
+                <a14:useLocalDpi xmlns:a14="http://schemas.microsoft.com/office/drawing/2010/main" val="0"/>
+              </a:ext>
+            </a:extLst>
+          </a:blip>
+          <a:stretch>
+            <a:fillRect/>
+          </a:stretch>
+        </p:blipFill>
+        <p:spPr>
+          <a:xfrm>
+            <a:off x="2366053" y="1815549"/>
+            <a:ext cx="6607466" cy="4129666"/>
+          </a:xfrm>
+          <a:prstGeom prst="rect">
+            <a:avLst/>
+          </a:prstGeom>
+        </p:spPr>
+      </p:pic>
+    </p:spTree>
+    <p:extLst>
+      <p:ext uri="{BB962C8B-B14F-4D97-AF65-F5344CB8AC3E}">
+        <p14:creationId xmlns:p14="http://schemas.microsoft.com/office/powerpoint/2010/main" val="3561977040"/>
+      </p:ext>
+    </p:extLst>
+  </p:cSld>
+  <p:clrMapOvr>
+    <a:masterClrMapping/>
+  </p:clrMapOvr>
 </p:sld>
 </file>
 
